--- a/Project_5/Matrix Exponent.pptx
+++ b/Project_5/Matrix Exponent.pptx
@@ -1,6 +1,6 @@
 
 <file path=ppt/presentation.xml><?xml version="1.0" encoding="utf-8"?>
-<p:presentation xmlns:a="http://schemas.openxmlformats.org/drawingml/2006/main" xmlns:r="http://schemas.openxmlformats.org/officeDocument/2006/relationships" xmlns:mc="http://schemas.openxmlformats.org/markup-compatibility/2006" xmlns:mv="urn:schemas-microsoft-com:mac:vml" xmlns:p="http://schemas.openxmlformats.org/presentationml/2006/main" xmlns:c="http://schemas.openxmlformats.org/drawingml/2006/chart" xmlns:dgm="http://schemas.openxmlformats.org/drawingml/2006/diagram" xmlns:o="urn:schemas-microsoft-com:office:office" xmlns:v="urn:schemas-microsoft-com:vml" xmlns:pvml="urn:schemas-microsoft-com:office:powerpoint" xmlns:com="http://schemas.openxmlformats.org/drawingml/2006/compatibility" xmlns:p14="http://schemas.microsoft.com/office/powerpoint/2010/main" xmlns:p15="http://schemas.microsoft.com/office/powerpoint/2012/main" xmlns:ahyp="http://schemas.microsoft.com/office/drawing/2018/hyperlinkcolor" autoCompressPictures="0" strictFirstAndLastChars="0" saveSubsetFonts="1">
+<p:presentation xmlns:a="http://schemas.openxmlformats.org/drawingml/2006/main" xmlns:r="http://schemas.openxmlformats.org/officeDocument/2006/relationships" xmlns:mc="http://schemas.openxmlformats.org/markup-compatibility/2006" xmlns:mv="urn:schemas-microsoft-com:mac:vml" xmlns:p="http://schemas.openxmlformats.org/presentationml/2006/main" xmlns:c="http://schemas.openxmlformats.org/drawingml/2006/chart" xmlns:dgm="http://schemas.openxmlformats.org/drawingml/2006/diagram" xmlns:o="urn:schemas-microsoft-com:office:office" xmlns:v="urn:schemas-microsoft-com:vml" xmlns:pvml="urn:schemas-microsoft-com:office:powerpoint" xmlns:com="http://schemas.openxmlformats.org/drawingml/2006/compatibility" xmlns:p14="http://schemas.microsoft.com/office/powerpoint/2010/main" xmlns:p15="http://schemas.microsoft.com/office/powerpoint/2012/main" xmlns:ahyp="http://schemas.microsoft.com/office/drawing/2018/hyperlinkcolor" autoCompressPictures="0" embedTrueTypeFonts="1" strictFirstAndLastChars="0" saveSubsetFonts="1">
   <p:sldMasterIdLst>
     <p:sldMasterId id="2147483659" r:id="rId4"/>
   </p:sldMasterIdLst>
@@ -17,6 +17,15 @@
   </p:sldIdLst>
   <p:sldSz cy="5143500" cx="9144000"/>
   <p:notesSz cx="6858000" cy="9144000"/>
+  <p:embeddedFontLst>
+    <p:embeddedFont>
+      <p:font typeface="Proxima Nova"/>
+      <p:regular r:id="rId12"/>
+      <p:bold r:id="rId13"/>
+      <p:italic r:id="rId14"/>
+      <p:boldItalic r:id="rId15"/>
+    </p:embeddedFont>
+  </p:embeddedFontLst>
   <p:defaultTextStyle>
     <a:defPPr lvl="0" marR="0" rtl="0" algn="l">
       <a:lnSpc>
@@ -696,7 +705,7 @@
   <p:cSld>
     <p:spTree>
       <p:nvGrpSpPr>
-        <p:cNvPr id="50" name="Shape 50"/>
+        <p:cNvPr id="55" name="Shape 55"/>
         <p:cNvGrpSpPr/>
         <p:nvPr/>
       </p:nvGrpSpPr>
@@ -710,7 +719,7 @@
       </p:grpSpPr>
       <p:sp>
         <p:nvSpPr>
-          <p:cNvPr id="51" name="Google Shape;51;p:notes"/>
+          <p:cNvPr id="56" name="Google Shape;56;p:notes"/>
           <p:cNvSpPr/>
           <p:nvPr>
             <p:ph idx="2" type="sldImg"/>
@@ -745,7 +754,7 @@
       </p:sp>
       <p:sp>
         <p:nvSpPr>
-          <p:cNvPr id="52" name="Google Shape;52;p:notes"/>
+          <p:cNvPr id="57" name="Google Shape;57;p:notes"/>
           <p:cNvSpPr txBox="1"/>
           <p:nvPr>
             <p:ph idx="1" type="body"/>
@@ -795,7 +804,7 @@
   <p:cSld>
     <p:spTree>
       <p:nvGrpSpPr>
-        <p:cNvPr id="57" name="Shape 57"/>
+        <p:cNvPr id="62" name="Shape 62"/>
         <p:cNvGrpSpPr/>
         <p:nvPr/>
       </p:nvGrpSpPr>
@@ -809,7 +818,7 @@
       </p:grpSpPr>
       <p:sp>
         <p:nvSpPr>
-          <p:cNvPr id="58" name="Google Shape;58;g3b97cf875a1_0_21:notes"/>
+          <p:cNvPr id="63" name="Google Shape;63;g3b97cf875a1_0_21:notes"/>
           <p:cNvSpPr/>
           <p:nvPr>
             <p:ph idx="2" type="sldImg"/>
@@ -844,7 +853,7 @@
       </p:sp>
       <p:sp>
         <p:nvSpPr>
-          <p:cNvPr id="59" name="Google Shape;59;g3b97cf875a1_0_21:notes"/>
+          <p:cNvPr id="64" name="Google Shape;64;g3b97cf875a1_0_21:notes"/>
           <p:cNvSpPr txBox="1"/>
           <p:nvPr>
             <p:ph idx="1" type="body"/>
@@ -894,7 +903,7 @@
   <p:cSld>
     <p:spTree>
       <p:nvGrpSpPr>
-        <p:cNvPr id="66" name="Shape 66"/>
+        <p:cNvPr id="74" name="Shape 74"/>
         <p:cNvGrpSpPr/>
         <p:nvPr/>
       </p:nvGrpSpPr>
@@ -908,7 +917,7 @@
       </p:grpSpPr>
       <p:sp>
         <p:nvSpPr>
-          <p:cNvPr id="67" name="Google Shape;67;g3b97cf875a1_0_6:notes"/>
+          <p:cNvPr id="75" name="Google Shape;75;g3b97cf875a1_0_6:notes"/>
           <p:cNvSpPr/>
           <p:nvPr>
             <p:ph idx="2" type="sldImg"/>
@@ -943,7 +952,7 @@
       </p:sp>
       <p:sp>
         <p:nvSpPr>
-          <p:cNvPr id="68" name="Google Shape;68;g3b97cf875a1_0_6:notes"/>
+          <p:cNvPr id="76" name="Google Shape;76;g3b97cf875a1_0_6:notes"/>
           <p:cNvSpPr txBox="1"/>
           <p:nvPr>
             <p:ph idx="1" type="body"/>
@@ -993,7 +1002,7 @@
   <p:cSld>
     <p:spTree>
       <p:nvGrpSpPr>
-        <p:cNvPr id="74" name="Shape 74"/>
+        <p:cNvPr id="82" name="Shape 82"/>
         <p:cNvGrpSpPr/>
         <p:nvPr/>
       </p:nvGrpSpPr>
@@ -1007,7 +1016,7 @@
       </p:grpSpPr>
       <p:sp>
         <p:nvSpPr>
-          <p:cNvPr id="75" name="Google Shape;75;g3b97cf875a1_0_29:notes"/>
+          <p:cNvPr id="83" name="Google Shape;83;g3b97cf875a1_0_29:notes"/>
           <p:cNvSpPr/>
           <p:nvPr>
             <p:ph idx="2" type="sldImg"/>
@@ -1042,7 +1051,7 @@
       </p:sp>
       <p:sp>
         <p:nvSpPr>
-          <p:cNvPr id="76" name="Google Shape;76;g3b97cf875a1_0_29:notes"/>
+          <p:cNvPr id="84" name="Google Shape;84;g3b97cf875a1_0_29:notes"/>
           <p:cNvSpPr txBox="1"/>
           <p:nvPr>
             <p:ph idx="1" type="body"/>
@@ -1092,7 +1101,7 @@
   <p:cSld>
     <p:spTree>
       <p:nvGrpSpPr>
-        <p:cNvPr id="82" name="Shape 82"/>
+        <p:cNvPr id="90" name="Shape 90"/>
         <p:cNvGrpSpPr/>
         <p:nvPr/>
       </p:nvGrpSpPr>
@@ -1106,7 +1115,7 @@
       </p:grpSpPr>
       <p:sp>
         <p:nvSpPr>
-          <p:cNvPr id="83" name="Google Shape;83;g3b97cf875a1_0_11:notes"/>
+          <p:cNvPr id="91" name="Google Shape;91;g3b97cf875a1_0_11:notes"/>
           <p:cNvSpPr/>
           <p:nvPr>
             <p:ph idx="2" type="sldImg"/>
@@ -1141,7 +1150,7 @@
       </p:sp>
       <p:sp>
         <p:nvSpPr>
-          <p:cNvPr id="84" name="Google Shape;84;g3b97cf875a1_0_11:notes"/>
+          <p:cNvPr id="92" name="Google Shape;92;g3b97cf875a1_0_11:notes"/>
           <p:cNvSpPr txBox="1"/>
           <p:nvPr>
             <p:ph idx="1" type="body"/>
@@ -1191,7 +1200,7 @@
   <p:cSld>
     <p:spTree>
       <p:nvGrpSpPr>
-        <p:cNvPr id="90" name="Shape 90"/>
+        <p:cNvPr id="98" name="Shape 98"/>
         <p:cNvGrpSpPr/>
         <p:nvPr/>
       </p:nvGrpSpPr>
@@ -1205,7 +1214,7 @@
       </p:grpSpPr>
       <p:sp>
         <p:nvSpPr>
-          <p:cNvPr id="91" name="Google Shape;91;g3b97cf875a1_0_16:notes"/>
+          <p:cNvPr id="99" name="Google Shape;99;g3b97cf875a1_0_16:notes"/>
           <p:cNvSpPr/>
           <p:nvPr>
             <p:ph idx="2" type="sldImg"/>
@@ -1240,7 +1249,7 @@
       </p:sp>
       <p:sp>
         <p:nvSpPr>
-          <p:cNvPr id="92" name="Google Shape;92;g3b97cf875a1_0_16:notes"/>
+          <p:cNvPr id="100" name="Google Shape;100;g3b97cf875a1_0_16:notes"/>
           <p:cNvSpPr txBox="1"/>
           <p:nvPr>
             <p:ph idx="1" type="body"/>
@@ -1288,6 +1297,13 @@
 <file path=ppt/slideLayouts/slideLayout1.xml><?xml version="1.0" encoding="utf-8"?>
 <p:sldLayout xmlns:a="http://schemas.openxmlformats.org/drawingml/2006/main" xmlns:r="http://schemas.openxmlformats.org/officeDocument/2006/relationships" xmlns:mc="http://schemas.openxmlformats.org/markup-compatibility/2006" xmlns:mv="urn:schemas-microsoft-com:mac:vml" xmlns:p="http://schemas.openxmlformats.org/presentationml/2006/main" xmlns:c="http://schemas.openxmlformats.org/drawingml/2006/chart" xmlns:dgm="http://schemas.openxmlformats.org/drawingml/2006/diagram" xmlns:o="urn:schemas-microsoft-com:office:office" xmlns:v="urn:schemas-microsoft-com:vml" xmlns:pvml="urn:schemas-microsoft-com:office:powerpoint" xmlns:com="http://schemas.openxmlformats.org/drawingml/2006/compatibility" xmlns:p14="http://schemas.microsoft.com/office/powerpoint/2010/main" xmlns:p15="http://schemas.microsoft.com/office/powerpoint/2012/main" xmlns:ahyp="http://schemas.microsoft.com/office/drawing/2018/hyperlinkcolor" matchingName="Title slide" type="title">
   <p:cSld name="TITLE">
+    <p:bg>
+      <p:bgPr>
+        <a:solidFill>
+          <a:schemeClr val="dk1"/>
+        </a:solidFill>
+      </p:bgPr>
+    </p:bg>
     <p:spTree>
       <p:nvGrpSpPr>
         <p:cNvPr id="9" name="Shape 9"/>
@@ -1302,9 +1318,35 @@
           <a:chExt cx="0" cy="0"/>
         </a:xfrm>
       </p:grpSpPr>
+      <p:cxnSp>
+        <p:nvCxnSpPr>
+          <p:cNvPr id="10" name="Google Shape;10;p2"/>
+          <p:cNvCxnSpPr/>
+          <p:nvPr/>
+        </p:nvCxnSpPr>
+        <p:spPr>
+          <a:xfrm>
+            <a:off x="0" y="2998150"/>
+            <a:ext cx="9144000" cy="0"/>
+          </a:xfrm>
+          <a:prstGeom prst="straightConnector1">
+            <a:avLst/>
+          </a:prstGeom>
+          <a:noFill/>
+          <a:ln cap="flat" cmpd="sng" w="19050">
+            <a:solidFill>
+              <a:schemeClr val="lt2"/>
+            </a:solidFill>
+            <a:prstDash val="solid"/>
+            <a:round/>
+            <a:headEnd len="sm" w="sm" type="none"/>
+            <a:tailEnd len="sm" w="sm" type="none"/>
+          </a:ln>
+        </p:spPr>
+      </p:cxnSp>
       <p:sp>
         <p:nvSpPr>
-          <p:cNvPr id="10" name="Google Shape;10;p2"/>
+          <p:cNvPr id="11" name="Google Shape;11;p2"/>
           <p:cNvSpPr txBox="1"/>
           <p:nvPr>
             <p:ph type="ctrTitle"/>
@@ -1312,8 +1354,8 @@
         </p:nvSpPr>
         <p:spPr>
           <a:xfrm>
-            <a:off x="311708" y="744575"/>
-            <a:ext cx="8520600" cy="2052600"/>
+            <a:off x="510450" y="1257300"/>
+            <a:ext cx="8123100" cy="1588500"/>
           </a:xfrm>
           <a:prstGeom prst="rect">
             <a:avLst/>
@@ -1324,104 +1366,167 @@
             <a:normAutofit/>
           </a:bodyPr>
           <a:lstStyle>
-            <a:lvl1pPr lvl="0" algn="ctr">
-              <a:spcBef>
-                <a:spcPts val="0"/>
-              </a:spcBef>
-              <a:spcAft>
-                <a:spcPts val="0"/>
-              </a:spcAft>
-              <a:buSzPts val="5200"/>
-              <a:buNone/>
-              <a:defRPr sz="5200"/>
+            <a:lvl1pPr lvl="0">
+              <a:spcBef>
+                <a:spcPts val="0"/>
+              </a:spcBef>
+              <a:spcAft>
+                <a:spcPts val="0"/>
+              </a:spcAft>
+              <a:buClr>
+                <a:schemeClr val="lt1"/>
+              </a:buClr>
+              <a:buSzPts val="4800"/>
+              <a:buNone/>
+              <a:defRPr sz="4800">
+                <a:solidFill>
+                  <a:schemeClr val="lt1"/>
+                </a:solidFill>
+              </a:defRPr>
             </a:lvl1pPr>
-            <a:lvl2pPr lvl="1" algn="ctr">
-              <a:spcBef>
-                <a:spcPts val="0"/>
-              </a:spcBef>
-              <a:spcAft>
-                <a:spcPts val="0"/>
-              </a:spcAft>
-              <a:buSzPts val="5200"/>
-              <a:buNone/>
-              <a:defRPr sz="5200"/>
+            <a:lvl2pPr lvl="1">
+              <a:spcBef>
+                <a:spcPts val="0"/>
+              </a:spcBef>
+              <a:spcAft>
+                <a:spcPts val="0"/>
+              </a:spcAft>
+              <a:buClr>
+                <a:schemeClr val="lt1"/>
+              </a:buClr>
+              <a:buSzPts val="4800"/>
+              <a:buNone/>
+              <a:defRPr sz="4800">
+                <a:solidFill>
+                  <a:schemeClr val="lt1"/>
+                </a:solidFill>
+              </a:defRPr>
             </a:lvl2pPr>
-            <a:lvl3pPr lvl="2" algn="ctr">
-              <a:spcBef>
-                <a:spcPts val="0"/>
-              </a:spcBef>
-              <a:spcAft>
-                <a:spcPts val="0"/>
-              </a:spcAft>
-              <a:buSzPts val="5200"/>
-              <a:buNone/>
-              <a:defRPr sz="5200"/>
+            <a:lvl3pPr lvl="2">
+              <a:spcBef>
+                <a:spcPts val="0"/>
+              </a:spcBef>
+              <a:spcAft>
+                <a:spcPts val="0"/>
+              </a:spcAft>
+              <a:buClr>
+                <a:schemeClr val="lt1"/>
+              </a:buClr>
+              <a:buSzPts val="4800"/>
+              <a:buNone/>
+              <a:defRPr sz="4800">
+                <a:solidFill>
+                  <a:schemeClr val="lt1"/>
+                </a:solidFill>
+              </a:defRPr>
             </a:lvl3pPr>
-            <a:lvl4pPr lvl="3" algn="ctr">
-              <a:spcBef>
-                <a:spcPts val="0"/>
-              </a:spcBef>
-              <a:spcAft>
-                <a:spcPts val="0"/>
-              </a:spcAft>
-              <a:buSzPts val="5200"/>
-              <a:buNone/>
-              <a:defRPr sz="5200"/>
+            <a:lvl4pPr lvl="3">
+              <a:spcBef>
+                <a:spcPts val="0"/>
+              </a:spcBef>
+              <a:spcAft>
+                <a:spcPts val="0"/>
+              </a:spcAft>
+              <a:buClr>
+                <a:schemeClr val="lt1"/>
+              </a:buClr>
+              <a:buSzPts val="4800"/>
+              <a:buNone/>
+              <a:defRPr sz="4800">
+                <a:solidFill>
+                  <a:schemeClr val="lt1"/>
+                </a:solidFill>
+              </a:defRPr>
             </a:lvl4pPr>
-            <a:lvl5pPr lvl="4" algn="ctr">
-              <a:spcBef>
-                <a:spcPts val="0"/>
-              </a:spcBef>
-              <a:spcAft>
-                <a:spcPts val="0"/>
-              </a:spcAft>
-              <a:buSzPts val="5200"/>
-              <a:buNone/>
-              <a:defRPr sz="5200"/>
+            <a:lvl5pPr lvl="4">
+              <a:spcBef>
+                <a:spcPts val="0"/>
+              </a:spcBef>
+              <a:spcAft>
+                <a:spcPts val="0"/>
+              </a:spcAft>
+              <a:buClr>
+                <a:schemeClr val="lt1"/>
+              </a:buClr>
+              <a:buSzPts val="4800"/>
+              <a:buNone/>
+              <a:defRPr sz="4800">
+                <a:solidFill>
+                  <a:schemeClr val="lt1"/>
+                </a:solidFill>
+              </a:defRPr>
             </a:lvl5pPr>
-            <a:lvl6pPr lvl="5" algn="ctr">
-              <a:spcBef>
-                <a:spcPts val="0"/>
-              </a:spcBef>
-              <a:spcAft>
-                <a:spcPts val="0"/>
-              </a:spcAft>
-              <a:buSzPts val="5200"/>
-              <a:buNone/>
-              <a:defRPr sz="5200"/>
+            <a:lvl6pPr lvl="5">
+              <a:spcBef>
+                <a:spcPts val="0"/>
+              </a:spcBef>
+              <a:spcAft>
+                <a:spcPts val="0"/>
+              </a:spcAft>
+              <a:buClr>
+                <a:schemeClr val="lt1"/>
+              </a:buClr>
+              <a:buSzPts val="4800"/>
+              <a:buNone/>
+              <a:defRPr sz="4800">
+                <a:solidFill>
+                  <a:schemeClr val="lt1"/>
+                </a:solidFill>
+              </a:defRPr>
             </a:lvl6pPr>
-            <a:lvl7pPr lvl="6" algn="ctr">
-              <a:spcBef>
-                <a:spcPts val="0"/>
-              </a:spcBef>
-              <a:spcAft>
-                <a:spcPts val="0"/>
-              </a:spcAft>
-              <a:buSzPts val="5200"/>
-              <a:buNone/>
-              <a:defRPr sz="5200"/>
+            <a:lvl7pPr lvl="6">
+              <a:spcBef>
+                <a:spcPts val="0"/>
+              </a:spcBef>
+              <a:spcAft>
+                <a:spcPts val="0"/>
+              </a:spcAft>
+              <a:buClr>
+                <a:schemeClr val="lt1"/>
+              </a:buClr>
+              <a:buSzPts val="4800"/>
+              <a:buNone/>
+              <a:defRPr sz="4800">
+                <a:solidFill>
+                  <a:schemeClr val="lt1"/>
+                </a:solidFill>
+              </a:defRPr>
             </a:lvl7pPr>
-            <a:lvl8pPr lvl="7" algn="ctr">
-              <a:spcBef>
-                <a:spcPts val="0"/>
-              </a:spcBef>
-              <a:spcAft>
-                <a:spcPts val="0"/>
-              </a:spcAft>
-              <a:buSzPts val="5200"/>
-              <a:buNone/>
-              <a:defRPr sz="5200"/>
+            <a:lvl8pPr lvl="7">
+              <a:spcBef>
+                <a:spcPts val="0"/>
+              </a:spcBef>
+              <a:spcAft>
+                <a:spcPts val="0"/>
+              </a:spcAft>
+              <a:buClr>
+                <a:schemeClr val="lt1"/>
+              </a:buClr>
+              <a:buSzPts val="4800"/>
+              <a:buNone/>
+              <a:defRPr sz="4800">
+                <a:solidFill>
+                  <a:schemeClr val="lt1"/>
+                </a:solidFill>
+              </a:defRPr>
             </a:lvl8pPr>
-            <a:lvl9pPr lvl="8" algn="ctr">
-              <a:spcBef>
-                <a:spcPts val="0"/>
-              </a:spcBef>
-              <a:spcAft>
-                <a:spcPts val="0"/>
-              </a:spcAft>
-              <a:buSzPts val="5200"/>
-              <a:buNone/>
-              <a:defRPr sz="5200"/>
+            <a:lvl9pPr lvl="8">
+              <a:spcBef>
+                <a:spcPts val="0"/>
+              </a:spcBef>
+              <a:spcAft>
+                <a:spcPts val="0"/>
+              </a:spcAft>
+              <a:buClr>
+                <a:schemeClr val="lt1"/>
+              </a:buClr>
+              <a:buSzPts val="4800"/>
+              <a:buNone/>
+              <a:defRPr sz="4800">
+                <a:solidFill>
+                  <a:schemeClr val="lt1"/>
+                </a:solidFill>
+              </a:defRPr>
             </a:lvl9pPr>
           </a:lstStyle>
           <a:p/>
@@ -1429,7 +1534,7 @@
       </p:sp>
       <p:sp>
         <p:nvSpPr>
-          <p:cNvPr id="11" name="Google Shape;11;p2"/>
+          <p:cNvPr id="12" name="Google Shape;12;p2"/>
           <p:cNvSpPr txBox="1"/>
           <p:nvPr>
             <p:ph idx="1" type="subTitle"/>
@@ -1437,8 +1542,8 @@
         </p:nvSpPr>
         <p:spPr>
           <a:xfrm>
-            <a:off x="311700" y="2834125"/>
-            <a:ext cx="8520600" cy="792600"/>
+            <a:off x="510450" y="3182313"/>
+            <a:ext cx="8123100" cy="630000"/>
           </a:xfrm>
           <a:prstGeom prst="rect">
             <a:avLst/>
@@ -1449,7 +1554,7 @@
             <a:normAutofit/>
           </a:bodyPr>
           <a:lstStyle>
-            <a:lvl1pPr lvl="0" algn="ctr">
+            <a:lvl1pPr lvl="0">
               <a:lnSpc>
                 <a:spcPct val="100000"/>
               </a:lnSpc>
@@ -1459,11 +1564,18 @@
               <a:spcAft>
                 <a:spcPts val="0"/>
               </a:spcAft>
-              <a:buSzPts val="2800"/>
-              <a:buNone/>
-              <a:defRPr sz="2800"/>
+              <a:buClr>
+                <a:schemeClr val="lt1"/>
+              </a:buClr>
+              <a:buSzPts val="2400"/>
+              <a:buNone/>
+              <a:defRPr sz="2400">
+                <a:solidFill>
+                  <a:schemeClr val="lt1"/>
+                </a:solidFill>
+              </a:defRPr>
             </a:lvl1pPr>
-            <a:lvl2pPr lvl="1" algn="ctr">
+            <a:lvl2pPr lvl="1">
               <a:lnSpc>
                 <a:spcPct val="100000"/>
               </a:lnSpc>
@@ -1473,11 +1585,18 @@
               <a:spcAft>
                 <a:spcPts val="0"/>
               </a:spcAft>
-              <a:buSzPts val="2800"/>
-              <a:buNone/>
-              <a:defRPr sz="2800"/>
+              <a:buClr>
+                <a:schemeClr val="lt1"/>
+              </a:buClr>
+              <a:buSzPts val="2400"/>
+              <a:buNone/>
+              <a:defRPr sz="2400">
+                <a:solidFill>
+                  <a:schemeClr val="lt1"/>
+                </a:solidFill>
+              </a:defRPr>
             </a:lvl2pPr>
-            <a:lvl3pPr lvl="2" algn="ctr">
+            <a:lvl3pPr lvl="2">
               <a:lnSpc>
                 <a:spcPct val="100000"/>
               </a:lnSpc>
@@ -1487,11 +1606,18 @@
               <a:spcAft>
                 <a:spcPts val="0"/>
               </a:spcAft>
-              <a:buSzPts val="2800"/>
-              <a:buNone/>
-              <a:defRPr sz="2800"/>
+              <a:buClr>
+                <a:schemeClr val="lt1"/>
+              </a:buClr>
+              <a:buSzPts val="2400"/>
+              <a:buNone/>
+              <a:defRPr sz="2400">
+                <a:solidFill>
+                  <a:schemeClr val="lt1"/>
+                </a:solidFill>
+              </a:defRPr>
             </a:lvl3pPr>
-            <a:lvl4pPr lvl="3" algn="ctr">
+            <a:lvl4pPr lvl="3">
               <a:lnSpc>
                 <a:spcPct val="100000"/>
               </a:lnSpc>
@@ -1501,11 +1627,18 @@
               <a:spcAft>
                 <a:spcPts val="0"/>
               </a:spcAft>
-              <a:buSzPts val="2800"/>
-              <a:buNone/>
-              <a:defRPr sz="2800"/>
+              <a:buClr>
+                <a:schemeClr val="lt1"/>
+              </a:buClr>
+              <a:buSzPts val="2400"/>
+              <a:buNone/>
+              <a:defRPr sz="2400">
+                <a:solidFill>
+                  <a:schemeClr val="lt1"/>
+                </a:solidFill>
+              </a:defRPr>
             </a:lvl4pPr>
-            <a:lvl5pPr lvl="4" algn="ctr">
+            <a:lvl5pPr lvl="4">
               <a:lnSpc>
                 <a:spcPct val="100000"/>
               </a:lnSpc>
@@ -1515,11 +1648,18 @@
               <a:spcAft>
                 <a:spcPts val="0"/>
               </a:spcAft>
-              <a:buSzPts val="2800"/>
-              <a:buNone/>
-              <a:defRPr sz="2800"/>
+              <a:buClr>
+                <a:schemeClr val="lt1"/>
+              </a:buClr>
+              <a:buSzPts val="2400"/>
+              <a:buNone/>
+              <a:defRPr sz="2400">
+                <a:solidFill>
+                  <a:schemeClr val="lt1"/>
+                </a:solidFill>
+              </a:defRPr>
             </a:lvl5pPr>
-            <a:lvl6pPr lvl="5" algn="ctr">
+            <a:lvl6pPr lvl="5">
               <a:lnSpc>
                 <a:spcPct val="100000"/>
               </a:lnSpc>
@@ -1529,11 +1669,18 @@
               <a:spcAft>
                 <a:spcPts val="0"/>
               </a:spcAft>
-              <a:buSzPts val="2800"/>
-              <a:buNone/>
-              <a:defRPr sz="2800"/>
+              <a:buClr>
+                <a:schemeClr val="lt1"/>
+              </a:buClr>
+              <a:buSzPts val="2400"/>
+              <a:buNone/>
+              <a:defRPr sz="2400">
+                <a:solidFill>
+                  <a:schemeClr val="lt1"/>
+                </a:solidFill>
+              </a:defRPr>
             </a:lvl6pPr>
-            <a:lvl7pPr lvl="6" algn="ctr">
+            <a:lvl7pPr lvl="6">
               <a:lnSpc>
                 <a:spcPct val="100000"/>
               </a:lnSpc>
@@ -1543,11 +1690,18 @@
               <a:spcAft>
                 <a:spcPts val="0"/>
               </a:spcAft>
-              <a:buSzPts val="2800"/>
-              <a:buNone/>
-              <a:defRPr sz="2800"/>
+              <a:buClr>
+                <a:schemeClr val="lt1"/>
+              </a:buClr>
+              <a:buSzPts val="2400"/>
+              <a:buNone/>
+              <a:defRPr sz="2400">
+                <a:solidFill>
+                  <a:schemeClr val="lt1"/>
+                </a:solidFill>
+              </a:defRPr>
             </a:lvl7pPr>
-            <a:lvl8pPr lvl="7" algn="ctr">
+            <a:lvl8pPr lvl="7">
               <a:lnSpc>
                 <a:spcPct val="100000"/>
               </a:lnSpc>
@@ -1557,11 +1711,18 @@
               <a:spcAft>
                 <a:spcPts val="0"/>
               </a:spcAft>
-              <a:buSzPts val="2800"/>
-              <a:buNone/>
-              <a:defRPr sz="2800"/>
+              <a:buClr>
+                <a:schemeClr val="lt1"/>
+              </a:buClr>
+              <a:buSzPts val="2400"/>
+              <a:buNone/>
+              <a:defRPr sz="2400">
+                <a:solidFill>
+                  <a:schemeClr val="lt1"/>
+                </a:solidFill>
+              </a:defRPr>
             </a:lvl8pPr>
-            <a:lvl9pPr lvl="8" algn="ctr">
+            <a:lvl9pPr lvl="8">
               <a:lnSpc>
                 <a:spcPct val="100000"/>
               </a:lnSpc>
@@ -1571,9 +1732,16 @@
               <a:spcAft>
                 <a:spcPts val="0"/>
               </a:spcAft>
-              <a:buSzPts val="2800"/>
-              <a:buNone/>
-              <a:defRPr sz="2800"/>
+              <a:buClr>
+                <a:schemeClr val="lt1"/>
+              </a:buClr>
+              <a:buSzPts val="2400"/>
+              <a:buNone/>
+              <a:defRPr sz="2400">
+                <a:solidFill>
+                  <a:schemeClr val="lt1"/>
+                </a:solidFill>
+              </a:defRPr>
             </a:lvl9pPr>
           </a:lstStyle>
           <a:p/>
@@ -1581,7 +1749,7 @@
       </p:sp>
       <p:sp>
         <p:nvSpPr>
-          <p:cNvPr id="12" name="Google Shape;12;p2"/>
+          <p:cNvPr id="13" name="Google Shape;13;p2"/>
           <p:cNvSpPr txBox="1"/>
           <p:nvPr>
             <p:ph idx="12" type="sldNum"/>
@@ -1603,39 +1771,75 @@
           <a:lstStyle>
             <a:lvl1pPr lvl="0">
               <a:buNone/>
-              <a:defRPr/>
+              <a:defRPr>
+                <a:solidFill>
+                  <a:schemeClr val="lt1"/>
+                </a:solidFill>
+              </a:defRPr>
             </a:lvl1pPr>
             <a:lvl2pPr lvl="1">
               <a:buNone/>
-              <a:defRPr/>
+              <a:defRPr>
+                <a:solidFill>
+                  <a:schemeClr val="lt1"/>
+                </a:solidFill>
+              </a:defRPr>
             </a:lvl2pPr>
             <a:lvl3pPr lvl="2">
               <a:buNone/>
-              <a:defRPr/>
+              <a:defRPr>
+                <a:solidFill>
+                  <a:schemeClr val="lt1"/>
+                </a:solidFill>
+              </a:defRPr>
             </a:lvl3pPr>
             <a:lvl4pPr lvl="3">
               <a:buNone/>
-              <a:defRPr/>
+              <a:defRPr>
+                <a:solidFill>
+                  <a:schemeClr val="lt1"/>
+                </a:solidFill>
+              </a:defRPr>
             </a:lvl4pPr>
             <a:lvl5pPr lvl="4">
               <a:buNone/>
-              <a:defRPr/>
+              <a:defRPr>
+                <a:solidFill>
+                  <a:schemeClr val="lt1"/>
+                </a:solidFill>
+              </a:defRPr>
             </a:lvl5pPr>
             <a:lvl6pPr lvl="5">
               <a:buNone/>
-              <a:defRPr/>
+              <a:defRPr>
+                <a:solidFill>
+                  <a:schemeClr val="lt1"/>
+                </a:solidFill>
+              </a:defRPr>
             </a:lvl6pPr>
             <a:lvl7pPr lvl="6">
               <a:buNone/>
-              <a:defRPr/>
+              <a:defRPr>
+                <a:solidFill>
+                  <a:schemeClr val="lt1"/>
+                </a:solidFill>
+              </a:defRPr>
             </a:lvl7pPr>
             <a:lvl8pPr lvl="7">
               <a:buNone/>
-              <a:defRPr/>
+              <a:defRPr>
+                <a:solidFill>
+                  <a:schemeClr val="lt1"/>
+                </a:solidFill>
+              </a:defRPr>
             </a:lvl8pPr>
             <a:lvl9pPr lvl="8">
               <a:buNone/>
-              <a:defRPr/>
+              <a:defRPr>
+                <a:solidFill>
+                  <a:schemeClr val="lt1"/>
+                </a:solidFill>
+              </a:defRPr>
             </a:lvl9pPr>
           </a:lstStyle>
           <a:p>
@@ -1669,7 +1873,7 @@
   <p:cSld name="BIG_NUMBER">
     <p:spTree>
       <p:nvGrpSpPr>
-        <p:cNvPr id="44" name="Shape 44"/>
+        <p:cNvPr id="48" name="Shape 48"/>
         <p:cNvGrpSpPr/>
         <p:nvPr/>
       </p:nvGrpSpPr>
@@ -1683,7 +1887,50 @@
       </p:grpSpPr>
       <p:sp>
         <p:nvSpPr>
-          <p:cNvPr id="45" name="Google Shape;45;p11"/>
+          <p:cNvPr id="49" name="Google Shape;49;p11"/>
+          <p:cNvSpPr/>
+          <p:nvPr/>
+        </p:nvSpPr>
+        <p:spPr>
+          <a:xfrm>
+            <a:off x="0" y="5045700"/>
+            <a:ext cx="9144000" cy="97800"/>
+          </a:xfrm>
+          <a:prstGeom prst="rect">
+            <a:avLst/>
+          </a:prstGeom>
+          <a:solidFill>
+            <a:schemeClr val="lt2"/>
+          </a:solidFill>
+          <a:ln>
+            <a:noFill/>
+          </a:ln>
+        </p:spPr>
+        <p:txBody>
+          <a:bodyPr anchorCtr="0" anchor="ctr" bIns="91425" lIns="91425" spcFirstLastPara="1" rIns="91425" wrap="square" tIns="91425">
+            <a:noAutofit/>
+          </a:bodyPr>
+          <a:lstStyle/>
+          <a:p>
+            <a:pPr indent="0" lvl="0" marL="0" rtl="0" algn="l">
+              <a:spcBef>
+                <a:spcPts val="0"/>
+              </a:spcBef>
+              <a:spcAft>
+                <a:spcPts val="0"/>
+              </a:spcAft>
+              <a:buNone/>
+            </a:pPr>
+            <a:r>
+              <a:t/>
+            </a:r>
+            <a:endParaRPr/>
+          </a:p>
+        </p:txBody>
+      </p:sp>
+      <p:sp>
+        <p:nvSpPr>
+          <p:cNvPr id="50" name="Google Shape;50;p11"/>
           <p:cNvSpPr txBox="1"/>
           <p:nvPr>
             <p:ph hasCustomPrompt="1" type="title"/>
@@ -1691,15 +1938,15 @@
         </p:nvSpPr>
         <p:spPr>
           <a:xfrm>
-            <a:off x="311700" y="1106125"/>
-            <a:ext cx="8520600" cy="1963500"/>
+            <a:off x="311700" y="991475"/>
+            <a:ext cx="8520600" cy="1917900"/>
           </a:xfrm>
           <a:prstGeom prst="rect">
             <a:avLst/>
           </a:prstGeom>
         </p:spPr>
         <p:txBody>
-          <a:bodyPr anchorCtr="0" anchor="b" bIns="91425" lIns="91425" spcFirstLastPara="1" rIns="91425" wrap="square" tIns="91425">
+          <a:bodyPr anchorCtr="0" anchor="ctr" bIns="91425" lIns="91425" spcFirstLastPara="1" rIns="91425" wrap="square" tIns="91425">
             <a:normAutofit/>
           </a:bodyPr>
           <a:lstStyle>
@@ -1710,9 +1957,9 @@
               <a:spcAft>
                 <a:spcPts val="0"/>
               </a:spcAft>
-              <a:buSzPts val="12000"/>
-              <a:buNone/>
-              <a:defRPr sz="12000"/>
+              <a:buSzPts val="14000"/>
+              <a:buNone/>
+              <a:defRPr b="1" sz="14000"/>
             </a:lvl1pPr>
             <a:lvl2pPr lvl="1" algn="ctr">
               <a:spcBef>
@@ -1721,9 +1968,9 @@
               <a:spcAft>
                 <a:spcPts val="0"/>
               </a:spcAft>
-              <a:buSzPts val="12000"/>
-              <a:buNone/>
-              <a:defRPr sz="12000"/>
+              <a:buSzPts val="14000"/>
+              <a:buNone/>
+              <a:defRPr b="1" sz="14000"/>
             </a:lvl2pPr>
             <a:lvl3pPr lvl="2" algn="ctr">
               <a:spcBef>
@@ -1732,9 +1979,9 @@
               <a:spcAft>
                 <a:spcPts val="0"/>
               </a:spcAft>
-              <a:buSzPts val="12000"/>
-              <a:buNone/>
-              <a:defRPr sz="12000"/>
+              <a:buSzPts val="14000"/>
+              <a:buNone/>
+              <a:defRPr b="1" sz="14000"/>
             </a:lvl3pPr>
             <a:lvl4pPr lvl="3" algn="ctr">
               <a:spcBef>
@@ -1743,9 +1990,9 @@
               <a:spcAft>
                 <a:spcPts val="0"/>
               </a:spcAft>
-              <a:buSzPts val="12000"/>
-              <a:buNone/>
-              <a:defRPr sz="12000"/>
+              <a:buSzPts val="14000"/>
+              <a:buNone/>
+              <a:defRPr b="1" sz="14000"/>
             </a:lvl4pPr>
             <a:lvl5pPr lvl="4" algn="ctr">
               <a:spcBef>
@@ -1754,9 +2001,9 @@
               <a:spcAft>
                 <a:spcPts val="0"/>
               </a:spcAft>
-              <a:buSzPts val="12000"/>
-              <a:buNone/>
-              <a:defRPr sz="12000"/>
+              <a:buSzPts val="14000"/>
+              <a:buNone/>
+              <a:defRPr b="1" sz="14000"/>
             </a:lvl5pPr>
             <a:lvl6pPr lvl="5" algn="ctr">
               <a:spcBef>
@@ -1765,9 +2012,9 @@
               <a:spcAft>
                 <a:spcPts val="0"/>
               </a:spcAft>
-              <a:buSzPts val="12000"/>
-              <a:buNone/>
-              <a:defRPr sz="12000"/>
+              <a:buSzPts val="14000"/>
+              <a:buNone/>
+              <a:defRPr b="1" sz="14000"/>
             </a:lvl6pPr>
             <a:lvl7pPr lvl="6" algn="ctr">
               <a:spcBef>
@@ -1776,9 +2023,9 @@
               <a:spcAft>
                 <a:spcPts val="0"/>
               </a:spcAft>
-              <a:buSzPts val="12000"/>
-              <a:buNone/>
-              <a:defRPr sz="12000"/>
+              <a:buSzPts val="14000"/>
+              <a:buNone/>
+              <a:defRPr b="1" sz="14000"/>
             </a:lvl7pPr>
             <a:lvl8pPr lvl="7" algn="ctr">
               <a:spcBef>
@@ -1787,9 +2034,9 @@
               <a:spcAft>
                 <a:spcPts val="0"/>
               </a:spcAft>
-              <a:buSzPts val="12000"/>
-              <a:buNone/>
-              <a:defRPr sz="12000"/>
+              <a:buSzPts val="14000"/>
+              <a:buNone/>
+              <a:defRPr b="1" sz="14000"/>
             </a:lvl8pPr>
             <a:lvl9pPr lvl="8" algn="ctr">
               <a:spcBef>
@@ -1798,9 +2045,9 @@
               <a:spcAft>
                 <a:spcPts val="0"/>
               </a:spcAft>
-              <a:buSzPts val="12000"/>
-              <a:buNone/>
-              <a:defRPr sz="12000"/>
+              <a:buSzPts val="14000"/>
+              <a:buNone/>
+              <a:defRPr b="1" sz="14000"/>
             </a:lvl9pPr>
           </a:lstStyle>
           <a:p>
@@ -1812,7 +2059,7 @@
       </p:sp>
       <p:sp>
         <p:nvSpPr>
-          <p:cNvPr id="46" name="Google Shape;46;p11"/>
+          <p:cNvPr id="51" name="Google Shape;51;p11"/>
           <p:cNvSpPr txBox="1"/>
           <p:nvPr>
             <p:ph idx="1" type="body"/>
@@ -1820,8 +2067,8 @@
         </p:nvSpPr>
         <p:spPr>
           <a:xfrm>
-            <a:off x="311700" y="3152225"/>
-            <a:ext cx="8520600" cy="1300800"/>
+            <a:off x="311700" y="3071300"/>
+            <a:ext cx="8520600" cy="901800"/>
           </a:xfrm>
           <a:prstGeom prst="rect">
             <a:avLst/>
@@ -1937,7 +2184,7 @@
       </p:sp>
       <p:sp>
         <p:nvSpPr>
-          <p:cNvPr id="47" name="Google Shape;47;p11"/>
+          <p:cNvPr id="52" name="Google Shape;52;p11"/>
           <p:cNvSpPr txBox="1"/>
           <p:nvPr>
             <p:ph idx="12" type="sldNum"/>
@@ -2025,7 +2272,7 @@
   <p:cSld name="BLANK">
     <p:spTree>
       <p:nvGrpSpPr>
-        <p:cNvPr id="48" name="Shape 48"/>
+        <p:cNvPr id="53" name="Shape 53"/>
         <p:cNvGrpSpPr/>
         <p:nvPr/>
       </p:nvGrpSpPr>
@@ -2039,7 +2286,7 @@
       </p:grpSpPr>
       <p:sp>
         <p:nvSpPr>
-          <p:cNvPr id="49" name="Google Shape;49;p12"/>
+          <p:cNvPr id="54" name="Google Shape;54;p12"/>
           <p:cNvSpPr txBox="1"/>
           <p:nvPr>
             <p:ph idx="12" type="sldNum"/>
@@ -2125,9 +2372,16 @@
 <file path=ppt/slideLayouts/slideLayout2.xml><?xml version="1.0" encoding="utf-8"?>
 <p:sldLayout xmlns:a="http://schemas.openxmlformats.org/drawingml/2006/main" xmlns:r="http://schemas.openxmlformats.org/officeDocument/2006/relationships" xmlns:mc="http://schemas.openxmlformats.org/markup-compatibility/2006" xmlns:mv="urn:schemas-microsoft-com:mac:vml" xmlns:p="http://schemas.openxmlformats.org/presentationml/2006/main" xmlns:c="http://schemas.openxmlformats.org/drawingml/2006/chart" xmlns:dgm="http://schemas.openxmlformats.org/drawingml/2006/diagram" xmlns:o="urn:schemas-microsoft-com:office:office" xmlns:v="urn:schemas-microsoft-com:vml" xmlns:pvml="urn:schemas-microsoft-com:office:powerpoint" xmlns:com="http://schemas.openxmlformats.org/drawingml/2006/compatibility" xmlns:p14="http://schemas.microsoft.com/office/powerpoint/2010/main" xmlns:p15="http://schemas.microsoft.com/office/powerpoint/2012/main" xmlns:ahyp="http://schemas.microsoft.com/office/drawing/2018/hyperlinkcolor" matchingName="Section header" type="secHead">
   <p:cSld name="SECTION_HEADER">
+    <p:bg>
+      <p:bgPr>
+        <a:solidFill>
+          <a:schemeClr val="dk1"/>
+        </a:solidFill>
+      </p:bgPr>
+    </p:bg>
     <p:spTree>
       <p:nvGrpSpPr>
-        <p:cNvPr id="13" name="Shape 13"/>
+        <p:cNvPr id="14" name="Shape 14"/>
         <p:cNvGrpSpPr/>
         <p:nvPr/>
       </p:nvGrpSpPr>
@@ -2139,9 +2393,35 @@
           <a:chExt cx="0" cy="0"/>
         </a:xfrm>
       </p:grpSpPr>
+      <p:cxnSp>
+        <p:nvCxnSpPr>
+          <p:cNvPr id="15" name="Google Shape;15;p3"/>
+          <p:cNvCxnSpPr/>
+          <p:nvPr/>
+        </p:nvCxnSpPr>
+        <p:spPr>
+          <a:xfrm>
+            <a:off x="0" y="2998150"/>
+            <a:ext cx="9144000" cy="0"/>
+          </a:xfrm>
+          <a:prstGeom prst="straightConnector1">
+            <a:avLst/>
+          </a:prstGeom>
+          <a:noFill/>
+          <a:ln cap="flat" cmpd="sng" w="19050">
+            <a:solidFill>
+              <a:schemeClr val="lt2"/>
+            </a:solidFill>
+            <a:prstDash val="solid"/>
+            <a:round/>
+            <a:headEnd len="sm" w="sm" type="none"/>
+            <a:tailEnd len="sm" w="sm" type="none"/>
+          </a:ln>
+        </p:spPr>
+      </p:cxnSp>
       <p:sp>
         <p:nvSpPr>
-          <p:cNvPr id="14" name="Google Shape;14;p3"/>
+          <p:cNvPr id="16" name="Google Shape;16;p3"/>
           <p:cNvSpPr txBox="1"/>
           <p:nvPr>
             <p:ph type="title"/>
@@ -2149,116 +2429,179 @@
         </p:nvSpPr>
         <p:spPr>
           <a:xfrm>
-            <a:off x="311700" y="2150850"/>
-            <a:ext cx="8520600" cy="841800"/>
+            <a:off x="510450" y="2057400"/>
+            <a:ext cx="8123100" cy="778800"/>
           </a:xfrm>
           <a:prstGeom prst="rect">
             <a:avLst/>
           </a:prstGeom>
         </p:spPr>
         <p:txBody>
-          <a:bodyPr anchorCtr="0" anchor="ctr" bIns="91425" lIns="91425" spcFirstLastPara="1" rIns="91425" wrap="square" tIns="91425">
+          <a:bodyPr anchorCtr="0" anchor="b" bIns="91425" lIns="91425" spcFirstLastPara="1" rIns="91425" wrap="square" tIns="91425">
             <a:normAutofit/>
           </a:bodyPr>
           <a:lstStyle>
-            <a:lvl1pPr lvl="0" algn="ctr">
-              <a:spcBef>
-                <a:spcPts val="0"/>
-              </a:spcBef>
-              <a:spcAft>
-                <a:spcPts val="0"/>
-              </a:spcAft>
+            <a:lvl1pPr lvl="0">
+              <a:spcBef>
+                <a:spcPts val="0"/>
+              </a:spcBef>
+              <a:spcAft>
+                <a:spcPts val="0"/>
+              </a:spcAft>
+              <a:buClr>
+                <a:schemeClr val="lt1"/>
+              </a:buClr>
               <a:buSzPts val="3600"/>
               <a:buNone/>
-              <a:defRPr sz="3600"/>
+              <a:defRPr sz="3600">
+                <a:solidFill>
+                  <a:schemeClr val="lt1"/>
+                </a:solidFill>
+              </a:defRPr>
             </a:lvl1pPr>
-            <a:lvl2pPr lvl="1" algn="ctr">
-              <a:spcBef>
-                <a:spcPts val="0"/>
-              </a:spcBef>
-              <a:spcAft>
-                <a:spcPts val="0"/>
-              </a:spcAft>
+            <a:lvl2pPr lvl="1">
+              <a:spcBef>
+                <a:spcPts val="0"/>
+              </a:spcBef>
+              <a:spcAft>
+                <a:spcPts val="0"/>
+              </a:spcAft>
+              <a:buClr>
+                <a:schemeClr val="lt1"/>
+              </a:buClr>
               <a:buSzPts val="3600"/>
               <a:buNone/>
-              <a:defRPr sz="3600"/>
+              <a:defRPr sz="3600">
+                <a:solidFill>
+                  <a:schemeClr val="lt1"/>
+                </a:solidFill>
+              </a:defRPr>
             </a:lvl2pPr>
-            <a:lvl3pPr lvl="2" algn="ctr">
-              <a:spcBef>
-                <a:spcPts val="0"/>
-              </a:spcBef>
-              <a:spcAft>
-                <a:spcPts val="0"/>
-              </a:spcAft>
+            <a:lvl3pPr lvl="2">
+              <a:spcBef>
+                <a:spcPts val="0"/>
+              </a:spcBef>
+              <a:spcAft>
+                <a:spcPts val="0"/>
+              </a:spcAft>
+              <a:buClr>
+                <a:schemeClr val="lt1"/>
+              </a:buClr>
               <a:buSzPts val="3600"/>
               <a:buNone/>
-              <a:defRPr sz="3600"/>
+              <a:defRPr sz="3600">
+                <a:solidFill>
+                  <a:schemeClr val="lt1"/>
+                </a:solidFill>
+              </a:defRPr>
             </a:lvl3pPr>
-            <a:lvl4pPr lvl="3" algn="ctr">
-              <a:spcBef>
-                <a:spcPts val="0"/>
-              </a:spcBef>
-              <a:spcAft>
-                <a:spcPts val="0"/>
-              </a:spcAft>
+            <a:lvl4pPr lvl="3">
+              <a:spcBef>
+                <a:spcPts val="0"/>
+              </a:spcBef>
+              <a:spcAft>
+                <a:spcPts val="0"/>
+              </a:spcAft>
+              <a:buClr>
+                <a:schemeClr val="lt1"/>
+              </a:buClr>
               <a:buSzPts val="3600"/>
               <a:buNone/>
-              <a:defRPr sz="3600"/>
+              <a:defRPr sz="3600">
+                <a:solidFill>
+                  <a:schemeClr val="lt1"/>
+                </a:solidFill>
+              </a:defRPr>
             </a:lvl4pPr>
-            <a:lvl5pPr lvl="4" algn="ctr">
-              <a:spcBef>
-                <a:spcPts val="0"/>
-              </a:spcBef>
-              <a:spcAft>
-                <a:spcPts val="0"/>
-              </a:spcAft>
+            <a:lvl5pPr lvl="4">
+              <a:spcBef>
+                <a:spcPts val="0"/>
+              </a:spcBef>
+              <a:spcAft>
+                <a:spcPts val="0"/>
+              </a:spcAft>
+              <a:buClr>
+                <a:schemeClr val="lt1"/>
+              </a:buClr>
               <a:buSzPts val="3600"/>
               <a:buNone/>
-              <a:defRPr sz="3600"/>
+              <a:defRPr sz="3600">
+                <a:solidFill>
+                  <a:schemeClr val="lt1"/>
+                </a:solidFill>
+              </a:defRPr>
             </a:lvl5pPr>
-            <a:lvl6pPr lvl="5" algn="ctr">
-              <a:spcBef>
-                <a:spcPts val="0"/>
-              </a:spcBef>
-              <a:spcAft>
-                <a:spcPts val="0"/>
-              </a:spcAft>
+            <a:lvl6pPr lvl="5">
+              <a:spcBef>
+                <a:spcPts val="0"/>
+              </a:spcBef>
+              <a:spcAft>
+                <a:spcPts val="0"/>
+              </a:spcAft>
+              <a:buClr>
+                <a:schemeClr val="lt1"/>
+              </a:buClr>
               <a:buSzPts val="3600"/>
               <a:buNone/>
-              <a:defRPr sz="3600"/>
+              <a:defRPr sz="3600">
+                <a:solidFill>
+                  <a:schemeClr val="lt1"/>
+                </a:solidFill>
+              </a:defRPr>
             </a:lvl6pPr>
-            <a:lvl7pPr lvl="6" algn="ctr">
-              <a:spcBef>
-                <a:spcPts val="0"/>
-              </a:spcBef>
-              <a:spcAft>
-                <a:spcPts val="0"/>
-              </a:spcAft>
+            <a:lvl7pPr lvl="6">
+              <a:spcBef>
+                <a:spcPts val="0"/>
+              </a:spcBef>
+              <a:spcAft>
+                <a:spcPts val="0"/>
+              </a:spcAft>
+              <a:buClr>
+                <a:schemeClr val="lt1"/>
+              </a:buClr>
               <a:buSzPts val="3600"/>
               <a:buNone/>
-              <a:defRPr sz="3600"/>
+              <a:defRPr sz="3600">
+                <a:solidFill>
+                  <a:schemeClr val="lt1"/>
+                </a:solidFill>
+              </a:defRPr>
             </a:lvl7pPr>
-            <a:lvl8pPr lvl="7" algn="ctr">
-              <a:spcBef>
-                <a:spcPts val="0"/>
-              </a:spcBef>
-              <a:spcAft>
-                <a:spcPts val="0"/>
-              </a:spcAft>
+            <a:lvl8pPr lvl="7">
+              <a:spcBef>
+                <a:spcPts val="0"/>
+              </a:spcBef>
+              <a:spcAft>
+                <a:spcPts val="0"/>
+              </a:spcAft>
+              <a:buClr>
+                <a:schemeClr val="lt1"/>
+              </a:buClr>
               <a:buSzPts val="3600"/>
               <a:buNone/>
-              <a:defRPr sz="3600"/>
+              <a:defRPr sz="3600">
+                <a:solidFill>
+                  <a:schemeClr val="lt1"/>
+                </a:solidFill>
+              </a:defRPr>
             </a:lvl8pPr>
-            <a:lvl9pPr lvl="8" algn="ctr">
-              <a:spcBef>
-                <a:spcPts val="0"/>
-              </a:spcBef>
-              <a:spcAft>
-                <a:spcPts val="0"/>
-              </a:spcAft>
+            <a:lvl9pPr lvl="8">
+              <a:spcBef>
+                <a:spcPts val="0"/>
+              </a:spcBef>
+              <a:spcAft>
+                <a:spcPts val="0"/>
+              </a:spcAft>
+              <a:buClr>
+                <a:schemeClr val="lt1"/>
+              </a:buClr>
               <a:buSzPts val="3600"/>
               <a:buNone/>
-              <a:defRPr sz="3600"/>
+              <a:defRPr sz="3600">
+                <a:solidFill>
+                  <a:schemeClr val="lt1"/>
+                </a:solidFill>
+              </a:defRPr>
             </a:lvl9pPr>
           </a:lstStyle>
           <a:p/>
@@ -2266,7 +2609,7 @@
       </p:sp>
       <p:sp>
         <p:nvSpPr>
-          <p:cNvPr id="15" name="Google Shape;15;p3"/>
+          <p:cNvPr id="17" name="Google Shape;17;p3"/>
           <p:cNvSpPr txBox="1"/>
           <p:nvPr>
             <p:ph idx="12" type="sldNum"/>
@@ -2288,39 +2631,75 @@
           <a:lstStyle>
             <a:lvl1pPr lvl="0">
               <a:buNone/>
-              <a:defRPr/>
+              <a:defRPr>
+                <a:solidFill>
+                  <a:schemeClr val="lt1"/>
+                </a:solidFill>
+              </a:defRPr>
             </a:lvl1pPr>
             <a:lvl2pPr lvl="1">
               <a:buNone/>
-              <a:defRPr/>
+              <a:defRPr>
+                <a:solidFill>
+                  <a:schemeClr val="lt1"/>
+                </a:solidFill>
+              </a:defRPr>
             </a:lvl2pPr>
             <a:lvl3pPr lvl="2">
               <a:buNone/>
-              <a:defRPr/>
+              <a:defRPr>
+                <a:solidFill>
+                  <a:schemeClr val="lt1"/>
+                </a:solidFill>
+              </a:defRPr>
             </a:lvl3pPr>
             <a:lvl4pPr lvl="3">
               <a:buNone/>
-              <a:defRPr/>
+              <a:defRPr>
+                <a:solidFill>
+                  <a:schemeClr val="lt1"/>
+                </a:solidFill>
+              </a:defRPr>
             </a:lvl4pPr>
             <a:lvl5pPr lvl="4">
               <a:buNone/>
-              <a:defRPr/>
+              <a:defRPr>
+                <a:solidFill>
+                  <a:schemeClr val="lt1"/>
+                </a:solidFill>
+              </a:defRPr>
             </a:lvl5pPr>
             <a:lvl6pPr lvl="5">
               <a:buNone/>
-              <a:defRPr/>
+              <a:defRPr>
+                <a:solidFill>
+                  <a:schemeClr val="lt1"/>
+                </a:solidFill>
+              </a:defRPr>
             </a:lvl6pPr>
             <a:lvl7pPr lvl="6">
               <a:buNone/>
-              <a:defRPr/>
+              <a:defRPr>
+                <a:solidFill>
+                  <a:schemeClr val="lt1"/>
+                </a:solidFill>
+              </a:defRPr>
             </a:lvl7pPr>
             <a:lvl8pPr lvl="7">
               <a:buNone/>
-              <a:defRPr/>
+              <a:defRPr>
+                <a:solidFill>
+                  <a:schemeClr val="lt1"/>
+                </a:solidFill>
+              </a:defRPr>
             </a:lvl8pPr>
             <a:lvl9pPr lvl="8">
               <a:buNone/>
-              <a:defRPr/>
+              <a:defRPr>
+                <a:solidFill>
+                  <a:schemeClr val="lt1"/>
+                </a:solidFill>
+              </a:defRPr>
             </a:lvl9pPr>
           </a:lstStyle>
           <a:p>
@@ -2354,7 +2733,7 @@
   <p:cSld name="TITLE_AND_BODY">
     <p:spTree>
       <p:nvGrpSpPr>
-        <p:cNvPr id="16" name="Shape 16"/>
+        <p:cNvPr id="18" name="Shape 18"/>
         <p:cNvGrpSpPr/>
         <p:nvPr/>
       </p:nvGrpSpPr>
@@ -2368,7 +2747,50 @@
       </p:grpSpPr>
       <p:sp>
         <p:nvSpPr>
-          <p:cNvPr id="17" name="Google Shape;17;p4"/>
+          <p:cNvPr id="19" name="Google Shape;19;p4"/>
+          <p:cNvSpPr/>
+          <p:nvPr/>
+        </p:nvSpPr>
+        <p:spPr>
+          <a:xfrm>
+            <a:off x="0" y="5045700"/>
+            <a:ext cx="9144000" cy="97800"/>
+          </a:xfrm>
+          <a:prstGeom prst="rect">
+            <a:avLst/>
+          </a:prstGeom>
+          <a:solidFill>
+            <a:schemeClr val="lt2"/>
+          </a:solidFill>
+          <a:ln>
+            <a:noFill/>
+          </a:ln>
+        </p:spPr>
+        <p:txBody>
+          <a:bodyPr anchorCtr="0" anchor="ctr" bIns="91425" lIns="91425" spcFirstLastPara="1" rIns="91425" wrap="square" tIns="91425">
+            <a:noAutofit/>
+          </a:bodyPr>
+          <a:lstStyle/>
+          <a:p>
+            <a:pPr indent="0" lvl="0" marL="0" rtl="0" algn="l">
+              <a:spcBef>
+                <a:spcPts val="0"/>
+              </a:spcBef>
+              <a:spcAft>
+                <a:spcPts val="0"/>
+              </a:spcAft>
+              <a:buNone/>
+            </a:pPr>
+            <a:r>
+              <a:t/>
+            </a:r>
+            <a:endParaRPr/>
+          </a:p>
+        </p:txBody>
+      </p:sp>
+      <p:sp>
+        <p:nvSpPr>
+          <p:cNvPr id="20" name="Google Shape;20;p4"/>
           <p:cNvSpPr txBox="1"/>
           <p:nvPr>
             <p:ph type="title"/>
@@ -2493,7 +2915,7 @@
       </p:sp>
       <p:sp>
         <p:nvSpPr>
-          <p:cNvPr id="18" name="Google Shape;18;p4"/>
+          <p:cNvPr id="21" name="Google Shape;21;p4"/>
           <p:cNvSpPr txBox="1"/>
           <p:nvPr>
             <p:ph idx="1" type="body"/>
@@ -2618,7 +3040,7 @@
       </p:sp>
       <p:sp>
         <p:nvSpPr>
-          <p:cNvPr id="19" name="Google Shape;19;p4"/>
+          <p:cNvPr id="22" name="Google Shape;22;p4"/>
           <p:cNvSpPr txBox="1"/>
           <p:nvPr>
             <p:ph idx="12" type="sldNum"/>
@@ -2706,7 +3128,7 @@
   <p:cSld name="TITLE_AND_TWO_COLUMNS">
     <p:spTree>
       <p:nvGrpSpPr>
-        <p:cNvPr id="20" name="Shape 20"/>
+        <p:cNvPr id="23" name="Shape 23"/>
         <p:cNvGrpSpPr/>
         <p:nvPr/>
       </p:nvGrpSpPr>
@@ -2720,7 +3142,7 @@
       </p:grpSpPr>
       <p:sp>
         <p:nvSpPr>
-          <p:cNvPr id="21" name="Google Shape;21;p5"/>
+          <p:cNvPr id="24" name="Google Shape;24;p5"/>
           <p:cNvSpPr txBox="1"/>
           <p:nvPr>
             <p:ph type="title"/>
@@ -2845,7 +3267,7 @@
       </p:sp>
       <p:sp>
         <p:nvSpPr>
-          <p:cNvPr id="22" name="Google Shape;22;p5"/>
+          <p:cNvPr id="25" name="Google Shape;25;p5"/>
           <p:cNvSpPr txBox="1"/>
           <p:nvPr>
             <p:ph idx="1" type="body"/>
@@ -2970,7 +3392,7 @@
       </p:sp>
       <p:sp>
         <p:nvSpPr>
-          <p:cNvPr id="23" name="Google Shape;23;p5"/>
+          <p:cNvPr id="26" name="Google Shape;26;p5"/>
           <p:cNvSpPr txBox="1"/>
           <p:nvPr>
             <p:ph idx="2" type="body"/>
@@ -3095,7 +3517,7 @@
       </p:sp>
       <p:sp>
         <p:nvSpPr>
-          <p:cNvPr id="24" name="Google Shape;24;p5"/>
+          <p:cNvPr id="27" name="Google Shape;27;p5"/>
           <p:cNvSpPr txBox="1"/>
           <p:nvPr>
             <p:ph idx="12" type="sldNum"/>
@@ -3183,7 +3605,7 @@
   <p:cSld name="TITLE_ONLY">
     <p:spTree>
       <p:nvGrpSpPr>
-        <p:cNvPr id="25" name="Shape 25"/>
+        <p:cNvPr id="28" name="Shape 28"/>
         <p:cNvGrpSpPr/>
         <p:nvPr/>
       </p:nvGrpSpPr>
@@ -3197,7 +3619,7 @@
       </p:grpSpPr>
       <p:sp>
         <p:nvSpPr>
-          <p:cNvPr id="26" name="Google Shape;26;p6"/>
+          <p:cNvPr id="29" name="Google Shape;29;p6"/>
           <p:cNvSpPr txBox="1"/>
           <p:nvPr>
             <p:ph type="title"/>
@@ -3322,7 +3744,7 @@
       </p:sp>
       <p:sp>
         <p:nvSpPr>
-          <p:cNvPr id="27" name="Google Shape;27;p6"/>
+          <p:cNvPr id="30" name="Google Shape;30;p6"/>
           <p:cNvSpPr txBox="1"/>
           <p:nvPr>
             <p:ph idx="12" type="sldNum"/>
@@ -3410,7 +3832,7 @@
   <p:cSld name="ONE_COLUMN_TEXT">
     <p:spTree>
       <p:nvGrpSpPr>
-        <p:cNvPr id="28" name="Shape 28"/>
+        <p:cNvPr id="31" name="Shape 31"/>
         <p:cNvGrpSpPr/>
         <p:nvPr/>
       </p:nvGrpSpPr>
@@ -3424,7 +3846,7 @@
       </p:grpSpPr>
       <p:sp>
         <p:nvSpPr>
-          <p:cNvPr id="29" name="Google Shape;29;p7"/>
+          <p:cNvPr id="32" name="Google Shape;32;p7"/>
           <p:cNvSpPr txBox="1"/>
           <p:nvPr>
             <p:ph type="title"/>
@@ -3549,7 +3971,7 @@
       </p:sp>
       <p:sp>
         <p:nvSpPr>
-          <p:cNvPr id="30" name="Google Shape;30;p7"/>
+          <p:cNvPr id="33" name="Google Shape;33;p7"/>
           <p:cNvSpPr txBox="1"/>
           <p:nvPr>
             <p:ph idx="1" type="body"/>
@@ -3674,7 +4096,7 @@
       </p:sp>
       <p:sp>
         <p:nvSpPr>
-          <p:cNvPr id="31" name="Google Shape;31;p7"/>
+          <p:cNvPr id="34" name="Google Shape;34;p7"/>
           <p:cNvSpPr txBox="1"/>
           <p:nvPr>
             <p:ph idx="12" type="sldNum"/>
@@ -3760,9 +4182,16 @@
 <file path=ppt/slideLayouts/slideLayout7.xml><?xml version="1.0" encoding="utf-8"?>
 <p:sldLayout xmlns:a="http://schemas.openxmlformats.org/drawingml/2006/main" xmlns:r="http://schemas.openxmlformats.org/officeDocument/2006/relationships" xmlns:mc="http://schemas.openxmlformats.org/markup-compatibility/2006" xmlns:mv="urn:schemas-microsoft-com:mac:vml" xmlns:p="http://schemas.openxmlformats.org/presentationml/2006/main" xmlns:c="http://schemas.openxmlformats.org/drawingml/2006/chart" xmlns:dgm="http://schemas.openxmlformats.org/drawingml/2006/diagram" xmlns:o="urn:schemas-microsoft-com:office:office" xmlns:v="urn:schemas-microsoft-com:vml" xmlns:pvml="urn:schemas-microsoft-com:office:powerpoint" xmlns:com="http://schemas.openxmlformats.org/drawingml/2006/compatibility" xmlns:p14="http://schemas.microsoft.com/office/powerpoint/2010/main" xmlns:p15="http://schemas.microsoft.com/office/powerpoint/2012/main" xmlns:ahyp="http://schemas.microsoft.com/office/drawing/2018/hyperlinkcolor" matchingName="Main point">
   <p:cSld name="MAIN_POINT">
+    <p:bg>
+      <p:bgPr>
+        <a:solidFill>
+          <a:schemeClr val="lt2"/>
+        </a:solidFill>
+      </p:bgPr>
+    </p:bg>
     <p:spTree>
       <p:nvGrpSpPr>
-        <p:cNvPr id="32" name="Shape 32"/>
+        <p:cNvPr id="35" name="Shape 35"/>
         <p:cNvGrpSpPr/>
         <p:nvPr/>
       </p:nvGrpSpPr>
@@ -3776,7 +4205,7 @@
       </p:grpSpPr>
       <p:sp>
         <p:nvSpPr>
-          <p:cNvPr id="33" name="Google Shape;33;p8"/>
+          <p:cNvPr id="36" name="Google Shape;36;p8"/>
           <p:cNvSpPr txBox="1"/>
           <p:nvPr>
             <p:ph type="title"/>
@@ -3784,8 +4213,8 @@
         </p:nvSpPr>
         <p:spPr>
           <a:xfrm>
-            <a:off x="490250" y="450150"/>
-            <a:ext cx="6367800" cy="4090800"/>
+            <a:off x="490250" y="526350"/>
+            <a:ext cx="5797500" cy="4090800"/>
           </a:xfrm>
           <a:prstGeom prst="rect">
             <a:avLst/>
@@ -3901,7 +4330,7 @@
       </p:sp>
       <p:sp>
         <p:nvSpPr>
-          <p:cNvPr id="34" name="Google Shape;34;p8"/>
+          <p:cNvPr id="37" name="Google Shape;37;p8"/>
           <p:cNvSpPr txBox="1"/>
           <p:nvPr>
             <p:ph idx="12" type="sldNum"/>
@@ -3989,7 +4418,7 @@
   <p:cSld name="SECTION_TITLE_AND_DESCRIPTION">
     <p:spTree>
       <p:nvGrpSpPr>
-        <p:cNvPr id="35" name="Shape 35"/>
+        <p:cNvPr id="38" name="Shape 38"/>
         <p:cNvGrpSpPr/>
         <p:nvPr/>
       </p:nvGrpSpPr>
@@ -4003,20 +4432,20 @@
       </p:grpSpPr>
       <p:sp>
         <p:nvSpPr>
-          <p:cNvPr id="36" name="Google Shape;36;p9"/>
+          <p:cNvPr id="39" name="Google Shape;39;p9"/>
           <p:cNvSpPr/>
           <p:nvPr/>
         </p:nvSpPr>
         <p:spPr>
           <a:xfrm>
-            <a:off x="4572000" y="-125"/>
+            <a:off x="4572000" y="75"/>
             <a:ext cx="4572000" cy="5143500"/>
           </a:xfrm>
           <a:prstGeom prst="rect">
             <a:avLst/>
           </a:prstGeom>
           <a:solidFill>
-            <a:schemeClr val="lt2"/>
+            <a:schemeClr val="dk1"/>
           </a:solidFill>
           <a:ln>
             <a:noFill/>
@@ -4044,9 +4473,35 @@
           </a:p>
         </p:txBody>
       </p:sp>
+      <p:cxnSp>
+        <p:nvCxnSpPr>
+          <p:cNvPr id="40" name="Google Shape;40;p9"/>
+          <p:cNvCxnSpPr/>
+          <p:nvPr/>
+        </p:nvCxnSpPr>
+        <p:spPr>
+          <a:xfrm>
+            <a:off x="5029675" y="4495500"/>
+            <a:ext cx="468300" cy="0"/>
+          </a:xfrm>
+          <a:prstGeom prst="straightConnector1">
+            <a:avLst/>
+          </a:prstGeom>
+          <a:noFill/>
+          <a:ln cap="flat" cmpd="sng" w="19050">
+            <a:solidFill>
+              <a:schemeClr val="lt2"/>
+            </a:solidFill>
+            <a:prstDash val="solid"/>
+            <a:round/>
+            <a:headEnd len="sm" w="sm" type="none"/>
+            <a:tailEnd len="sm" w="sm" type="none"/>
+          </a:ln>
+        </p:spPr>
+      </p:cxnSp>
       <p:sp>
         <p:nvSpPr>
-          <p:cNvPr id="37" name="Google Shape;37;p9"/>
+          <p:cNvPr id="41" name="Google Shape;41;p9"/>
           <p:cNvSpPr txBox="1"/>
           <p:nvPr>
             <p:ph type="title"/>
@@ -4054,8 +4509,8 @@
         </p:nvSpPr>
         <p:spPr>
           <a:xfrm>
-            <a:off x="265500" y="1233175"/>
-            <a:ext cx="4045200" cy="1482300"/>
+            <a:off x="265500" y="1205825"/>
+            <a:ext cx="4045200" cy="1509600"/>
           </a:xfrm>
           <a:prstGeom prst="rect">
             <a:avLst/>
@@ -4171,7 +4626,7 @@
       </p:sp>
       <p:sp>
         <p:nvSpPr>
-          <p:cNvPr id="38" name="Google Shape;38;p9"/>
+          <p:cNvPr id="42" name="Google Shape;42;p9"/>
           <p:cNvSpPr txBox="1"/>
           <p:nvPr>
             <p:ph idx="1" type="subTitle"/>
@@ -4179,8 +4634,8 @@
         </p:nvSpPr>
         <p:spPr>
           <a:xfrm>
-            <a:off x="265500" y="2803075"/>
-            <a:ext cx="4045200" cy="1235100"/>
+            <a:off x="265500" y="2769001"/>
+            <a:ext cx="4045200" cy="1345500"/>
           </a:xfrm>
           <a:prstGeom prst="rect">
             <a:avLst/>
@@ -4323,7 +4778,7 @@
       </p:sp>
       <p:sp>
         <p:nvSpPr>
-          <p:cNvPr id="39" name="Google Shape;39;p9"/>
+          <p:cNvPr id="43" name="Google Shape;43;p9"/>
           <p:cNvSpPr txBox="1"/>
           <p:nvPr>
             <p:ph idx="2" type="body"/>
@@ -4331,7 +4786,7 @@
         </p:nvSpPr>
         <p:spPr>
           <a:xfrm>
-            <a:off x="4939500" y="724075"/>
+            <a:off x="4939500" y="724200"/>
             <a:ext cx="3837000" cy="3695100"/>
           </a:xfrm>
           <a:prstGeom prst="rect">
@@ -4350,9 +4805,16 @@
               <a:spcAft>
                 <a:spcPts val="0"/>
               </a:spcAft>
+              <a:buClr>
+                <a:schemeClr val="lt1"/>
+              </a:buClr>
               <a:buSzPts val="1800"/>
               <a:buChar char="●"/>
-              <a:defRPr/>
+              <a:defRPr>
+                <a:solidFill>
+                  <a:schemeClr val="lt1"/>
+                </a:solidFill>
+              </a:defRPr>
             </a:lvl1pPr>
             <a:lvl2pPr indent="-317500" lvl="1" marL="914400">
               <a:spcBef>
@@ -4361,9 +4823,16 @@
               <a:spcAft>
                 <a:spcPts val="0"/>
               </a:spcAft>
+              <a:buClr>
+                <a:schemeClr val="lt1"/>
+              </a:buClr>
               <a:buSzPts val="1400"/>
               <a:buChar char="○"/>
-              <a:defRPr/>
+              <a:defRPr>
+                <a:solidFill>
+                  <a:schemeClr val="lt1"/>
+                </a:solidFill>
+              </a:defRPr>
             </a:lvl2pPr>
             <a:lvl3pPr indent="-317500" lvl="2" marL="1371600">
               <a:spcBef>
@@ -4372,9 +4841,16 @@
               <a:spcAft>
                 <a:spcPts val="0"/>
               </a:spcAft>
+              <a:buClr>
+                <a:schemeClr val="lt1"/>
+              </a:buClr>
               <a:buSzPts val="1400"/>
               <a:buChar char="■"/>
-              <a:defRPr/>
+              <a:defRPr>
+                <a:solidFill>
+                  <a:schemeClr val="lt1"/>
+                </a:solidFill>
+              </a:defRPr>
             </a:lvl3pPr>
             <a:lvl4pPr indent="-317500" lvl="3" marL="1828800">
               <a:spcBef>
@@ -4383,9 +4859,16 @@
               <a:spcAft>
                 <a:spcPts val="0"/>
               </a:spcAft>
+              <a:buClr>
+                <a:schemeClr val="lt1"/>
+              </a:buClr>
               <a:buSzPts val="1400"/>
               <a:buChar char="●"/>
-              <a:defRPr/>
+              <a:defRPr>
+                <a:solidFill>
+                  <a:schemeClr val="lt1"/>
+                </a:solidFill>
+              </a:defRPr>
             </a:lvl4pPr>
             <a:lvl5pPr indent="-317500" lvl="4" marL="2286000">
               <a:spcBef>
@@ -4394,9 +4877,16 @@
               <a:spcAft>
                 <a:spcPts val="0"/>
               </a:spcAft>
+              <a:buClr>
+                <a:schemeClr val="lt1"/>
+              </a:buClr>
               <a:buSzPts val="1400"/>
               <a:buChar char="○"/>
-              <a:defRPr/>
+              <a:defRPr>
+                <a:solidFill>
+                  <a:schemeClr val="lt1"/>
+                </a:solidFill>
+              </a:defRPr>
             </a:lvl5pPr>
             <a:lvl6pPr indent="-317500" lvl="5" marL="2743200">
               <a:spcBef>
@@ -4405,9 +4895,16 @@
               <a:spcAft>
                 <a:spcPts val="0"/>
               </a:spcAft>
+              <a:buClr>
+                <a:schemeClr val="lt1"/>
+              </a:buClr>
               <a:buSzPts val="1400"/>
               <a:buChar char="■"/>
-              <a:defRPr/>
+              <a:defRPr>
+                <a:solidFill>
+                  <a:schemeClr val="lt1"/>
+                </a:solidFill>
+              </a:defRPr>
             </a:lvl6pPr>
             <a:lvl7pPr indent="-317500" lvl="6" marL="3200400">
               <a:spcBef>
@@ -4416,9 +4913,16 @@
               <a:spcAft>
                 <a:spcPts val="0"/>
               </a:spcAft>
+              <a:buClr>
+                <a:schemeClr val="lt1"/>
+              </a:buClr>
               <a:buSzPts val="1400"/>
               <a:buChar char="●"/>
-              <a:defRPr/>
+              <a:defRPr>
+                <a:solidFill>
+                  <a:schemeClr val="lt1"/>
+                </a:solidFill>
+              </a:defRPr>
             </a:lvl7pPr>
             <a:lvl8pPr indent="-317500" lvl="7" marL="3657600">
               <a:spcBef>
@@ -4427,9 +4931,16 @@
               <a:spcAft>
                 <a:spcPts val="0"/>
               </a:spcAft>
+              <a:buClr>
+                <a:schemeClr val="lt1"/>
+              </a:buClr>
               <a:buSzPts val="1400"/>
               <a:buChar char="○"/>
-              <a:defRPr/>
+              <a:defRPr>
+                <a:solidFill>
+                  <a:schemeClr val="lt1"/>
+                </a:solidFill>
+              </a:defRPr>
             </a:lvl8pPr>
             <a:lvl9pPr indent="-317500" lvl="8" marL="4114800">
               <a:spcBef>
@@ -4438,9 +4949,16 @@
               <a:spcAft>
                 <a:spcPts val="0"/>
               </a:spcAft>
+              <a:buClr>
+                <a:schemeClr val="lt1"/>
+              </a:buClr>
               <a:buSzPts val="1400"/>
               <a:buChar char="■"/>
-              <a:defRPr/>
+              <a:defRPr>
+                <a:solidFill>
+                  <a:schemeClr val="lt1"/>
+                </a:solidFill>
+              </a:defRPr>
             </a:lvl9pPr>
           </a:lstStyle>
           <a:p/>
@@ -4448,7 +4966,7 @@
       </p:sp>
       <p:sp>
         <p:nvSpPr>
-          <p:cNvPr id="40" name="Google Shape;40;p9"/>
+          <p:cNvPr id="44" name="Google Shape;44;p9"/>
           <p:cNvSpPr txBox="1"/>
           <p:nvPr>
             <p:ph idx="12" type="sldNum"/>
@@ -4470,39 +4988,75 @@
           <a:lstStyle>
             <a:lvl1pPr lvl="0">
               <a:buNone/>
-              <a:defRPr/>
+              <a:defRPr>
+                <a:solidFill>
+                  <a:schemeClr val="lt1"/>
+                </a:solidFill>
+              </a:defRPr>
             </a:lvl1pPr>
             <a:lvl2pPr lvl="1">
               <a:buNone/>
-              <a:defRPr/>
+              <a:defRPr>
+                <a:solidFill>
+                  <a:schemeClr val="lt1"/>
+                </a:solidFill>
+              </a:defRPr>
             </a:lvl2pPr>
             <a:lvl3pPr lvl="2">
               <a:buNone/>
-              <a:defRPr/>
+              <a:defRPr>
+                <a:solidFill>
+                  <a:schemeClr val="lt1"/>
+                </a:solidFill>
+              </a:defRPr>
             </a:lvl3pPr>
             <a:lvl4pPr lvl="3">
               <a:buNone/>
-              <a:defRPr/>
+              <a:defRPr>
+                <a:solidFill>
+                  <a:schemeClr val="lt1"/>
+                </a:solidFill>
+              </a:defRPr>
             </a:lvl4pPr>
             <a:lvl5pPr lvl="4">
               <a:buNone/>
-              <a:defRPr/>
+              <a:defRPr>
+                <a:solidFill>
+                  <a:schemeClr val="lt1"/>
+                </a:solidFill>
+              </a:defRPr>
             </a:lvl5pPr>
             <a:lvl6pPr lvl="5">
               <a:buNone/>
-              <a:defRPr/>
+              <a:defRPr>
+                <a:solidFill>
+                  <a:schemeClr val="lt1"/>
+                </a:solidFill>
+              </a:defRPr>
             </a:lvl6pPr>
             <a:lvl7pPr lvl="6">
               <a:buNone/>
-              <a:defRPr/>
+              <a:defRPr>
+                <a:solidFill>
+                  <a:schemeClr val="lt1"/>
+                </a:solidFill>
+              </a:defRPr>
             </a:lvl7pPr>
             <a:lvl8pPr lvl="7">
               <a:buNone/>
-              <a:defRPr/>
+              <a:defRPr>
+                <a:solidFill>
+                  <a:schemeClr val="lt1"/>
+                </a:solidFill>
+              </a:defRPr>
             </a:lvl8pPr>
             <a:lvl9pPr lvl="8">
               <a:buNone/>
-              <a:defRPr/>
+              <a:defRPr>
+                <a:solidFill>
+                  <a:schemeClr val="lt1"/>
+                </a:solidFill>
+              </a:defRPr>
             </a:lvl9pPr>
           </a:lstStyle>
           <a:p>
@@ -4536,7 +5090,7 @@
   <p:cSld name="CAPTION_ONLY">
     <p:spTree>
       <p:nvGrpSpPr>
-        <p:cNvPr id="41" name="Shape 41"/>
+        <p:cNvPr id="45" name="Shape 45"/>
         <p:cNvGrpSpPr/>
         <p:nvPr/>
       </p:nvGrpSpPr>
@@ -4550,7 +5104,7 @@
       </p:grpSpPr>
       <p:sp>
         <p:nvSpPr>
-          <p:cNvPr id="42" name="Google Shape;42;p10"/>
+          <p:cNvPr id="46" name="Google Shape;46;p10"/>
           <p:cNvSpPr txBox="1"/>
           <p:nvPr>
             <p:ph idx="1" type="body"/>
@@ -4558,8 +5112,8 @@
         </p:nvSpPr>
         <p:spPr>
           <a:xfrm>
-            <a:off x="311700" y="4230575"/>
-            <a:ext cx="5998800" cy="605100"/>
+            <a:off x="311700" y="4236825"/>
+            <a:ext cx="5998800" cy="598800"/>
           </a:xfrm>
           <a:prstGeom prst="rect">
             <a:avLst/>
@@ -4580,9 +5134,9 @@
               <a:spcAft>
                 <a:spcPts val="0"/>
               </a:spcAft>
-              <a:buSzPts val="1800"/>
-              <a:buNone/>
-              <a:defRPr/>
+              <a:buSzPts val="2100"/>
+              <a:buNone/>
+              <a:defRPr sz="2100"/>
             </a:lvl1pPr>
           </a:lstStyle>
           <a:p/>
@@ -4590,7 +5144,7 @@
       </p:sp>
       <p:sp>
         <p:nvSpPr>
-          <p:cNvPr id="43" name="Google Shape;43;p10"/>
+          <p:cNvPr id="47" name="Google Shape;47;p10"/>
           <p:cNvSpPr txBox="1"/>
           <p:nvPr>
             <p:ph idx="12" type="sldNum"/>
@@ -4675,7 +5229,7 @@
 
 <file path=ppt/slideMasters/slideMaster1.xml><?xml version="1.0" encoding="utf-8"?>
 <p:sldMaster xmlns:a="http://schemas.openxmlformats.org/drawingml/2006/main" xmlns:r="http://schemas.openxmlformats.org/officeDocument/2006/relationships" xmlns:mc="http://schemas.openxmlformats.org/markup-compatibility/2006" xmlns:mv="urn:schemas-microsoft-com:mac:vml" xmlns:p="http://schemas.openxmlformats.org/presentationml/2006/main" xmlns:c="http://schemas.openxmlformats.org/drawingml/2006/chart" xmlns:dgm="http://schemas.openxmlformats.org/drawingml/2006/diagram" xmlns:o="urn:schemas-microsoft-com:office:office" xmlns:v="urn:schemas-microsoft-com:vml" xmlns:pvml="urn:schemas-microsoft-com:office:powerpoint" xmlns:com="http://schemas.openxmlformats.org/drawingml/2006/compatibility" xmlns:p14="http://schemas.microsoft.com/office/powerpoint/2010/main" xmlns:p15="http://schemas.microsoft.com/office/powerpoint/2012/main" xmlns:ahyp="http://schemas.microsoft.com/office/drawing/2018/hyperlinkcolor">
-  <p:cSld name="simple-light-2">
+  <p:cSld name="spearmint">
     <p:bg>
       <p:bgPr>
         <a:solidFill>
@@ -4734,11 +5288,16 @@
                 <a:schemeClr val="dk1"/>
               </a:buClr>
               <a:buSzPts val="2800"/>
+              <a:buFont typeface="Proxima Nova"/>
               <a:buNone/>
               <a:defRPr sz="2800">
                 <a:solidFill>
                   <a:schemeClr val="dk1"/>
                 </a:solidFill>
+                <a:latin typeface="Proxima Nova"/>
+                <a:ea typeface="Proxima Nova"/>
+                <a:cs typeface="Proxima Nova"/>
+                <a:sym typeface="Proxima Nova"/>
               </a:defRPr>
             </a:lvl1pPr>
             <a:lvl2pPr lvl="1">
@@ -4752,11 +5311,16 @@
                 <a:schemeClr val="dk1"/>
               </a:buClr>
               <a:buSzPts val="2800"/>
+              <a:buFont typeface="Proxima Nova"/>
               <a:buNone/>
               <a:defRPr sz="2800">
                 <a:solidFill>
                   <a:schemeClr val="dk1"/>
                 </a:solidFill>
+                <a:latin typeface="Proxima Nova"/>
+                <a:ea typeface="Proxima Nova"/>
+                <a:cs typeface="Proxima Nova"/>
+                <a:sym typeface="Proxima Nova"/>
               </a:defRPr>
             </a:lvl2pPr>
             <a:lvl3pPr lvl="2">
@@ -4770,11 +5334,16 @@
                 <a:schemeClr val="dk1"/>
               </a:buClr>
               <a:buSzPts val="2800"/>
+              <a:buFont typeface="Proxima Nova"/>
               <a:buNone/>
               <a:defRPr sz="2800">
                 <a:solidFill>
                   <a:schemeClr val="dk1"/>
                 </a:solidFill>
+                <a:latin typeface="Proxima Nova"/>
+                <a:ea typeface="Proxima Nova"/>
+                <a:cs typeface="Proxima Nova"/>
+                <a:sym typeface="Proxima Nova"/>
               </a:defRPr>
             </a:lvl3pPr>
             <a:lvl4pPr lvl="3">
@@ -4788,11 +5357,16 @@
                 <a:schemeClr val="dk1"/>
               </a:buClr>
               <a:buSzPts val="2800"/>
+              <a:buFont typeface="Proxima Nova"/>
               <a:buNone/>
               <a:defRPr sz="2800">
                 <a:solidFill>
                   <a:schemeClr val="dk1"/>
                 </a:solidFill>
+                <a:latin typeface="Proxima Nova"/>
+                <a:ea typeface="Proxima Nova"/>
+                <a:cs typeface="Proxima Nova"/>
+                <a:sym typeface="Proxima Nova"/>
               </a:defRPr>
             </a:lvl4pPr>
             <a:lvl5pPr lvl="4">
@@ -4806,11 +5380,16 @@
                 <a:schemeClr val="dk1"/>
               </a:buClr>
               <a:buSzPts val="2800"/>
+              <a:buFont typeface="Proxima Nova"/>
               <a:buNone/>
               <a:defRPr sz="2800">
                 <a:solidFill>
                   <a:schemeClr val="dk1"/>
                 </a:solidFill>
+                <a:latin typeface="Proxima Nova"/>
+                <a:ea typeface="Proxima Nova"/>
+                <a:cs typeface="Proxima Nova"/>
+                <a:sym typeface="Proxima Nova"/>
               </a:defRPr>
             </a:lvl5pPr>
             <a:lvl6pPr lvl="5">
@@ -4824,11 +5403,16 @@
                 <a:schemeClr val="dk1"/>
               </a:buClr>
               <a:buSzPts val="2800"/>
+              <a:buFont typeface="Proxima Nova"/>
               <a:buNone/>
               <a:defRPr sz="2800">
                 <a:solidFill>
                   <a:schemeClr val="dk1"/>
                 </a:solidFill>
+                <a:latin typeface="Proxima Nova"/>
+                <a:ea typeface="Proxima Nova"/>
+                <a:cs typeface="Proxima Nova"/>
+                <a:sym typeface="Proxima Nova"/>
               </a:defRPr>
             </a:lvl6pPr>
             <a:lvl7pPr lvl="6">
@@ -4842,11 +5426,16 @@
                 <a:schemeClr val="dk1"/>
               </a:buClr>
               <a:buSzPts val="2800"/>
+              <a:buFont typeface="Proxima Nova"/>
               <a:buNone/>
               <a:defRPr sz="2800">
                 <a:solidFill>
                   <a:schemeClr val="dk1"/>
                 </a:solidFill>
+                <a:latin typeface="Proxima Nova"/>
+                <a:ea typeface="Proxima Nova"/>
+                <a:cs typeface="Proxima Nova"/>
+                <a:sym typeface="Proxima Nova"/>
               </a:defRPr>
             </a:lvl7pPr>
             <a:lvl8pPr lvl="7">
@@ -4860,11 +5449,16 @@
                 <a:schemeClr val="dk1"/>
               </a:buClr>
               <a:buSzPts val="2800"/>
+              <a:buFont typeface="Proxima Nova"/>
               <a:buNone/>
               <a:defRPr sz="2800">
                 <a:solidFill>
                   <a:schemeClr val="dk1"/>
                 </a:solidFill>
+                <a:latin typeface="Proxima Nova"/>
+                <a:ea typeface="Proxima Nova"/>
+                <a:cs typeface="Proxima Nova"/>
+                <a:sym typeface="Proxima Nova"/>
               </a:defRPr>
             </a:lvl8pPr>
             <a:lvl9pPr lvl="8">
@@ -4878,11 +5472,16 @@
                 <a:schemeClr val="dk1"/>
               </a:buClr>
               <a:buSzPts val="2800"/>
+              <a:buFont typeface="Proxima Nova"/>
               <a:buNone/>
               <a:defRPr sz="2800">
                 <a:solidFill>
                   <a:schemeClr val="dk1"/>
                 </a:solidFill>
+                <a:latin typeface="Proxima Nova"/>
+                <a:ea typeface="Proxima Nova"/>
+                <a:cs typeface="Proxima Nova"/>
+                <a:sym typeface="Proxima Nova"/>
               </a:defRPr>
             </a:lvl9pPr>
           </a:lstStyle>
@@ -4926,14 +5525,19 @@
                 <a:spcPts val="0"/>
               </a:spcAft>
               <a:buClr>
-                <a:schemeClr val="dk2"/>
+                <a:schemeClr val="accent3"/>
               </a:buClr>
               <a:buSzPts val="1800"/>
+              <a:buFont typeface="Proxima Nova"/>
               <a:buChar char="●"/>
               <a:defRPr sz="1800">
                 <a:solidFill>
-                  <a:schemeClr val="dk2"/>
-                </a:solidFill>
+                  <a:schemeClr val="accent3"/>
+                </a:solidFill>
+                <a:latin typeface="Proxima Nova"/>
+                <a:ea typeface="Proxima Nova"/>
+                <a:cs typeface="Proxima Nova"/>
+                <a:sym typeface="Proxima Nova"/>
               </a:defRPr>
             </a:lvl1pPr>
             <a:lvl2pPr indent="-317500" lvl="1" marL="914400">
@@ -4947,14 +5551,19 @@
                 <a:spcPts val="0"/>
               </a:spcAft>
               <a:buClr>
-                <a:schemeClr val="dk2"/>
+                <a:schemeClr val="accent3"/>
               </a:buClr>
               <a:buSzPts val="1400"/>
+              <a:buFont typeface="Proxima Nova"/>
               <a:buChar char="○"/>
               <a:defRPr>
                 <a:solidFill>
-                  <a:schemeClr val="dk2"/>
-                </a:solidFill>
+                  <a:schemeClr val="accent3"/>
+                </a:solidFill>
+                <a:latin typeface="Proxima Nova"/>
+                <a:ea typeface="Proxima Nova"/>
+                <a:cs typeface="Proxima Nova"/>
+                <a:sym typeface="Proxima Nova"/>
               </a:defRPr>
             </a:lvl2pPr>
             <a:lvl3pPr indent="-317500" lvl="2" marL="1371600">
@@ -4968,14 +5577,19 @@
                 <a:spcPts val="0"/>
               </a:spcAft>
               <a:buClr>
-                <a:schemeClr val="dk2"/>
+                <a:schemeClr val="accent3"/>
               </a:buClr>
               <a:buSzPts val="1400"/>
+              <a:buFont typeface="Proxima Nova"/>
               <a:buChar char="■"/>
               <a:defRPr>
                 <a:solidFill>
-                  <a:schemeClr val="dk2"/>
-                </a:solidFill>
+                  <a:schemeClr val="accent3"/>
+                </a:solidFill>
+                <a:latin typeface="Proxima Nova"/>
+                <a:ea typeface="Proxima Nova"/>
+                <a:cs typeface="Proxima Nova"/>
+                <a:sym typeface="Proxima Nova"/>
               </a:defRPr>
             </a:lvl3pPr>
             <a:lvl4pPr indent="-317500" lvl="3" marL="1828800">
@@ -4989,14 +5603,19 @@
                 <a:spcPts val="0"/>
               </a:spcAft>
               <a:buClr>
-                <a:schemeClr val="dk2"/>
+                <a:schemeClr val="accent3"/>
               </a:buClr>
               <a:buSzPts val="1400"/>
+              <a:buFont typeface="Proxima Nova"/>
               <a:buChar char="●"/>
               <a:defRPr>
                 <a:solidFill>
-                  <a:schemeClr val="dk2"/>
-                </a:solidFill>
+                  <a:schemeClr val="accent3"/>
+                </a:solidFill>
+                <a:latin typeface="Proxima Nova"/>
+                <a:ea typeface="Proxima Nova"/>
+                <a:cs typeface="Proxima Nova"/>
+                <a:sym typeface="Proxima Nova"/>
               </a:defRPr>
             </a:lvl4pPr>
             <a:lvl5pPr indent="-317500" lvl="4" marL="2286000">
@@ -5010,14 +5629,19 @@
                 <a:spcPts val="0"/>
               </a:spcAft>
               <a:buClr>
-                <a:schemeClr val="dk2"/>
+                <a:schemeClr val="accent3"/>
               </a:buClr>
               <a:buSzPts val="1400"/>
+              <a:buFont typeface="Proxima Nova"/>
               <a:buChar char="○"/>
               <a:defRPr>
                 <a:solidFill>
-                  <a:schemeClr val="dk2"/>
-                </a:solidFill>
+                  <a:schemeClr val="accent3"/>
+                </a:solidFill>
+                <a:latin typeface="Proxima Nova"/>
+                <a:ea typeface="Proxima Nova"/>
+                <a:cs typeface="Proxima Nova"/>
+                <a:sym typeface="Proxima Nova"/>
               </a:defRPr>
             </a:lvl5pPr>
             <a:lvl6pPr indent="-317500" lvl="5" marL="2743200">
@@ -5031,14 +5655,19 @@
                 <a:spcPts val="0"/>
               </a:spcAft>
               <a:buClr>
-                <a:schemeClr val="dk2"/>
+                <a:schemeClr val="accent3"/>
               </a:buClr>
               <a:buSzPts val="1400"/>
+              <a:buFont typeface="Proxima Nova"/>
               <a:buChar char="■"/>
               <a:defRPr>
                 <a:solidFill>
-                  <a:schemeClr val="dk2"/>
-                </a:solidFill>
+                  <a:schemeClr val="accent3"/>
+                </a:solidFill>
+                <a:latin typeface="Proxima Nova"/>
+                <a:ea typeface="Proxima Nova"/>
+                <a:cs typeface="Proxima Nova"/>
+                <a:sym typeface="Proxima Nova"/>
               </a:defRPr>
             </a:lvl6pPr>
             <a:lvl7pPr indent="-317500" lvl="6" marL="3200400">
@@ -5052,14 +5681,19 @@
                 <a:spcPts val="0"/>
               </a:spcAft>
               <a:buClr>
-                <a:schemeClr val="dk2"/>
+                <a:schemeClr val="accent3"/>
               </a:buClr>
               <a:buSzPts val="1400"/>
+              <a:buFont typeface="Proxima Nova"/>
               <a:buChar char="●"/>
               <a:defRPr>
                 <a:solidFill>
-                  <a:schemeClr val="dk2"/>
-                </a:solidFill>
+                  <a:schemeClr val="accent3"/>
+                </a:solidFill>
+                <a:latin typeface="Proxima Nova"/>
+                <a:ea typeface="Proxima Nova"/>
+                <a:cs typeface="Proxima Nova"/>
+                <a:sym typeface="Proxima Nova"/>
               </a:defRPr>
             </a:lvl7pPr>
             <a:lvl8pPr indent="-317500" lvl="7" marL="3657600">
@@ -5073,14 +5707,19 @@
                 <a:spcPts val="0"/>
               </a:spcAft>
               <a:buClr>
-                <a:schemeClr val="dk2"/>
+                <a:schemeClr val="accent3"/>
               </a:buClr>
               <a:buSzPts val="1400"/>
+              <a:buFont typeface="Proxima Nova"/>
               <a:buChar char="○"/>
               <a:defRPr>
                 <a:solidFill>
-                  <a:schemeClr val="dk2"/>
-                </a:solidFill>
+                  <a:schemeClr val="accent3"/>
+                </a:solidFill>
+                <a:latin typeface="Proxima Nova"/>
+                <a:ea typeface="Proxima Nova"/>
+                <a:cs typeface="Proxima Nova"/>
+                <a:sym typeface="Proxima Nova"/>
               </a:defRPr>
             </a:lvl8pPr>
             <a:lvl9pPr indent="-317500" lvl="8" marL="4114800">
@@ -5094,14 +5733,19 @@
                 <a:spcPts val="0"/>
               </a:spcAft>
               <a:buClr>
-                <a:schemeClr val="dk2"/>
+                <a:schemeClr val="accent3"/>
               </a:buClr>
               <a:buSzPts val="1400"/>
+              <a:buFont typeface="Proxima Nova"/>
               <a:buChar char="■"/>
               <a:defRPr>
                 <a:solidFill>
-                  <a:schemeClr val="dk2"/>
-                </a:solidFill>
+                  <a:schemeClr val="accent3"/>
+                </a:solidFill>
+                <a:latin typeface="Proxima Nova"/>
+                <a:ea typeface="Proxima Nova"/>
+                <a:cs typeface="Proxima Nova"/>
+                <a:sym typeface="Proxima Nova"/>
               </a:defRPr>
             </a:lvl9pPr>
           </a:lstStyle>
@@ -5138,72 +5782,108 @@
               <a:buNone/>
               <a:defRPr sz="1000">
                 <a:solidFill>
-                  <a:schemeClr val="dk2"/>
-                </a:solidFill>
+                  <a:schemeClr val="dk1"/>
+                </a:solidFill>
+                <a:latin typeface="Proxima Nova"/>
+                <a:ea typeface="Proxima Nova"/>
+                <a:cs typeface="Proxima Nova"/>
+                <a:sym typeface="Proxima Nova"/>
               </a:defRPr>
             </a:lvl1pPr>
             <a:lvl2pPr lvl="1" algn="r">
               <a:buNone/>
               <a:defRPr sz="1000">
                 <a:solidFill>
-                  <a:schemeClr val="dk2"/>
-                </a:solidFill>
+                  <a:schemeClr val="dk1"/>
+                </a:solidFill>
+                <a:latin typeface="Proxima Nova"/>
+                <a:ea typeface="Proxima Nova"/>
+                <a:cs typeface="Proxima Nova"/>
+                <a:sym typeface="Proxima Nova"/>
               </a:defRPr>
             </a:lvl2pPr>
             <a:lvl3pPr lvl="2" algn="r">
               <a:buNone/>
               <a:defRPr sz="1000">
                 <a:solidFill>
-                  <a:schemeClr val="dk2"/>
-                </a:solidFill>
+                  <a:schemeClr val="dk1"/>
+                </a:solidFill>
+                <a:latin typeface="Proxima Nova"/>
+                <a:ea typeface="Proxima Nova"/>
+                <a:cs typeface="Proxima Nova"/>
+                <a:sym typeface="Proxima Nova"/>
               </a:defRPr>
             </a:lvl3pPr>
             <a:lvl4pPr lvl="3" algn="r">
               <a:buNone/>
               <a:defRPr sz="1000">
                 <a:solidFill>
-                  <a:schemeClr val="dk2"/>
-                </a:solidFill>
+                  <a:schemeClr val="dk1"/>
+                </a:solidFill>
+                <a:latin typeface="Proxima Nova"/>
+                <a:ea typeface="Proxima Nova"/>
+                <a:cs typeface="Proxima Nova"/>
+                <a:sym typeface="Proxima Nova"/>
               </a:defRPr>
             </a:lvl4pPr>
             <a:lvl5pPr lvl="4" algn="r">
               <a:buNone/>
               <a:defRPr sz="1000">
                 <a:solidFill>
-                  <a:schemeClr val="dk2"/>
-                </a:solidFill>
+                  <a:schemeClr val="dk1"/>
+                </a:solidFill>
+                <a:latin typeface="Proxima Nova"/>
+                <a:ea typeface="Proxima Nova"/>
+                <a:cs typeface="Proxima Nova"/>
+                <a:sym typeface="Proxima Nova"/>
               </a:defRPr>
             </a:lvl5pPr>
             <a:lvl6pPr lvl="5" algn="r">
               <a:buNone/>
               <a:defRPr sz="1000">
                 <a:solidFill>
-                  <a:schemeClr val="dk2"/>
-                </a:solidFill>
+                  <a:schemeClr val="dk1"/>
+                </a:solidFill>
+                <a:latin typeface="Proxima Nova"/>
+                <a:ea typeface="Proxima Nova"/>
+                <a:cs typeface="Proxima Nova"/>
+                <a:sym typeface="Proxima Nova"/>
               </a:defRPr>
             </a:lvl6pPr>
             <a:lvl7pPr lvl="6" algn="r">
               <a:buNone/>
               <a:defRPr sz="1000">
                 <a:solidFill>
-                  <a:schemeClr val="dk2"/>
-                </a:solidFill>
+                  <a:schemeClr val="dk1"/>
+                </a:solidFill>
+                <a:latin typeface="Proxima Nova"/>
+                <a:ea typeface="Proxima Nova"/>
+                <a:cs typeface="Proxima Nova"/>
+                <a:sym typeface="Proxima Nova"/>
               </a:defRPr>
             </a:lvl7pPr>
             <a:lvl8pPr lvl="7" algn="r">
               <a:buNone/>
               <a:defRPr sz="1000">
                 <a:solidFill>
-                  <a:schemeClr val="dk2"/>
-                </a:solidFill>
+                  <a:schemeClr val="dk1"/>
+                </a:solidFill>
+                <a:latin typeface="Proxima Nova"/>
+                <a:ea typeface="Proxima Nova"/>
+                <a:cs typeface="Proxima Nova"/>
+                <a:sym typeface="Proxima Nova"/>
               </a:defRPr>
             </a:lvl8pPr>
             <a:lvl9pPr lvl="8" algn="r">
               <a:buNone/>
               <a:defRPr sz="1000">
                 <a:solidFill>
-                  <a:schemeClr val="dk2"/>
-                </a:solidFill>
+                  <a:schemeClr val="dk1"/>
+                </a:solidFill>
+                <a:latin typeface="Proxima Nova"/>
+                <a:ea typeface="Proxima Nova"/>
+                <a:cs typeface="Proxima Nova"/>
+                <a:sym typeface="Proxima Nova"/>
               </a:defRPr>
             </a:lvl9pPr>
           </a:lstStyle>
@@ -5939,7 +6619,7 @@
   <p:cSld>
     <p:spTree>
       <p:nvGrpSpPr>
-        <p:cNvPr id="53" name="Shape 53"/>
+        <p:cNvPr id="58" name="Shape 58"/>
         <p:cNvGrpSpPr/>
         <p:nvPr/>
       </p:nvGrpSpPr>
@@ -5953,7 +6633,7 @@
       </p:grpSpPr>
       <p:sp>
         <p:nvSpPr>
-          <p:cNvPr id="54" name="Google Shape;54;p13"/>
+          <p:cNvPr id="59" name="Google Shape;59;p13"/>
           <p:cNvSpPr txBox="1"/>
           <p:nvPr>
             <p:ph type="ctrTitle"/>
@@ -5961,8 +6641,8 @@
         </p:nvSpPr>
         <p:spPr>
           <a:xfrm>
-            <a:off x="311708" y="744575"/>
-            <a:ext cx="8520600" cy="2052600"/>
+            <a:off x="510450" y="1257300"/>
+            <a:ext cx="8123100" cy="1588500"/>
           </a:xfrm>
           <a:prstGeom prst="rect">
             <a:avLst/>
@@ -5970,11 +6650,11 @@
         </p:spPr>
         <p:txBody>
           <a:bodyPr anchorCtr="0" anchor="b" bIns="91425" lIns="91425" spcFirstLastPara="1" rIns="91425" wrap="square" tIns="91425">
-            <a:normAutofit/>
+            <a:normAutofit fontScale="90000"/>
           </a:bodyPr>
           <a:lstStyle/>
           <a:p>
-            <a:pPr indent="0" lvl="0" marL="0" rtl="0" algn="ctr">
+            <a:pPr indent="0" lvl="0" marL="0" rtl="0" algn="l">
               <a:spcBef>
                 <a:spcPts val="0"/>
               </a:spcBef>
@@ -5990,7 +6670,7 @@
             <a:endParaRPr/>
           </a:p>
           <a:p>
-            <a:pPr indent="0" lvl="0" marL="0" rtl="0" algn="ctr">
+            <a:pPr indent="0" lvl="0" marL="0" rtl="0" algn="l">
               <a:spcBef>
                 <a:spcPts val="0"/>
               </a:spcBef>
@@ -6009,7 +6689,7 @@
       </p:sp>
       <p:sp>
         <p:nvSpPr>
-          <p:cNvPr id="55" name="Google Shape;55;p13"/>
+          <p:cNvPr id="60" name="Google Shape;60;p13"/>
           <p:cNvSpPr txBox="1"/>
           <p:nvPr>
             <p:ph idx="1" type="subTitle"/>
@@ -6017,8 +6697,8 @@
         </p:nvSpPr>
         <p:spPr>
           <a:xfrm>
-            <a:off x="311700" y="2834125"/>
-            <a:ext cx="8520600" cy="792600"/>
+            <a:off x="510450" y="3182313"/>
+            <a:ext cx="8123100" cy="630000"/>
           </a:xfrm>
           <a:prstGeom prst="rect">
             <a:avLst/>
@@ -6030,7 +6710,7 @@
           </a:bodyPr>
           <a:lstStyle/>
           <a:p>
-            <a:pPr indent="0" lvl="0" marL="0" rtl="0" algn="ctr">
+            <a:pPr indent="0" lvl="0" marL="0" rtl="0" algn="l">
               <a:spcBef>
                 <a:spcPts val="0"/>
               </a:spcBef>
@@ -6049,7 +6729,7 @@
       </p:sp>
       <p:sp>
         <p:nvSpPr>
-          <p:cNvPr id="56" name="Google Shape;56;p13"/>
+          <p:cNvPr id="61" name="Google Shape;61;p13"/>
           <p:cNvSpPr txBox="1"/>
           <p:nvPr>
             <p:ph idx="12" type="sldNum"/>
@@ -6080,10 +6760,26 @@
               <a:buNone/>
             </a:pPr>
             <a:fld id="{00000000-1234-1234-1234-123412341234}" type="slidenum">
-              <a:rPr lang="en"/>
+              <a:rPr lang="en">
+                <a:solidFill>
+                  <a:schemeClr val="lt1"/>
+                </a:solidFill>
+                <a:latin typeface="Proxima Nova"/>
+                <a:ea typeface="Proxima Nova"/>
+                <a:cs typeface="Proxima Nova"/>
+                <a:sym typeface="Proxima Nova"/>
+              </a:rPr>
               <a:t>‹#›</a:t>
             </a:fld>
-            <a:endParaRPr/>
+            <a:endParaRPr>
+              <a:solidFill>
+                <a:schemeClr val="lt1"/>
+              </a:solidFill>
+              <a:latin typeface="Proxima Nova"/>
+              <a:ea typeface="Proxima Nova"/>
+              <a:cs typeface="Proxima Nova"/>
+              <a:sym typeface="Proxima Nova"/>
+            </a:endParaRPr>
           </a:p>
         </p:txBody>
       </p:sp>
@@ -6100,7 +6796,7 @@
   <p:cSld>
     <p:spTree>
       <p:nvGrpSpPr>
-        <p:cNvPr id="60" name="Shape 60"/>
+        <p:cNvPr id="65" name="Shape 65"/>
         <p:cNvGrpSpPr/>
         <p:nvPr/>
       </p:nvGrpSpPr>
@@ -6114,7 +6810,386 @@
       </p:grpSpPr>
       <p:sp>
         <p:nvSpPr>
-          <p:cNvPr id="61" name="Google Shape;61;p14"/>
+          <p:cNvPr id="66" name="Google Shape;66;p14"/>
+          <p:cNvSpPr txBox="1"/>
+          <p:nvPr>
+            <p:ph type="title"/>
+          </p:nvPr>
+        </p:nvSpPr>
+        <p:spPr>
+          <a:xfrm>
+            <a:off x="311700" y="445025"/>
+            <a:ext cx="2417700" cy="572700"/>
+          </a:xfrm>
+          <a:prstGeom prst="rect">
+            <a:avLst/>
+          </a:prstGeom>
+        </p:spPr>
+        <p:txBody>
+          <a:bodyPr anchorCtr="0" anchor="t" bIns="91425" lIns="91425" spcFirstLastPara="1" rIns="91425" wrap="square" tIns="91425">
+            <a:normAutofit fontScale="90000"/>
+          </a:bodyPr>
+          <a:lstStyle/>
+          <a:p>
+            <a:pPr indent="0" lvl="0" marL="0" rtl="0" algn="l">
+              <a:spcBef>
+                <a:spcPts val="0"/>
+              </a:spcBef>
+              <a:spcAft>
+                <a:spcPts val="0"/>
+              </a:spcAft>
+              <a:buNone/>
+            </a:pPr>
+            <a:r>
+              <a:rPr lang="en"/>
+              <a:t>The Algorithm</a:t>
+            </a:r>
+            <a:endParaRPr/>
+          </a:p>
+        </p:txBody>
+      </p:sp>
+      <p:sp>
+        <p:nvSpPr>
+          <p:cNvPr id="67" name="Google Shape;67;p14"/>
+          <p:cNvSpPr txBox="1"/>
+          <p:nvPr>
+            <p:ph idx="1" type="body"/>
+          </p:nvPr>
+        </p:nvSpPr>
+        <p:spPr>
+          <a:xfrm>
+            <a:off x="311700" y="1152475"/>
+            <a:ext cx="5364000" cy="3747600"/>
+          </a:xfrm>
+          <a:prstGeom prst="rect">
+            <a:avLst/>
+          </a:prstGeom>
+        </p:spPr>
+        <p:txBody>
+          <a:bodyPr anchorCtr="0" anchor="t" bIns="91425" lIns="91425" spcFirstLastPara="1" rIns="91425" wrap="square" tIns="91425">
+            <a:normAutofit fontScale="92500" lnSpcReduction="20000"/>
+          </a:bodyPr>
+          <a:lstStyle/>
+          <a:p>
+            <a:pPr indent="0" lvl="0" marL="0" rtl="0" algn="l">
+              <a:spcBef>
+                <a:spcPts val="0"/>
+              </a:spcBef>
+              <a:spcAft>
+                <a:spcPts val="0"/>
+              </a:spcAft>
+              <a:buNone/>
+            </a:pPr>
+            <a:r>
+              <a:rPr lang="en"/>
+              <a:t>1. Scale down the matrix for calculation to avoid overflow (python)</a:t>
+            </a:r>
+            <a:endParaRPr/>
+          </a:p>
+          <a:p>
+            <a:pPr indent="0" lvl="0" marL="0" rtl="0" algn="l">
+              <a:spcBef>
+                <a:spcPts val="1200"/>
+              </a:spcBef>
+              <a:spcAft>
+                <a:spcPts val="0"/>
+              </a:spcAft>
+              <a:buNone/>
+            </a:pPr>
+            <a:r>
+              <a:rPr lang="en"/>
+              <a:t>2. Find b_k which is an estimation to the dominant eigenvector with approximation of epsilon.</a:t>
+            </a:r>
+            <a:endParaRPr/>
+          </a:p>
+          <a:p>
+            <a:pPr indent="0" lvl="0" marL="0" rtl="0" algn="l">
+              <a:spcBef>
+                <a:spcPts val="1200"/>
+              </a:spcBef>
+              <a:spcAft>
+                <a:spcPts val="0"/>
+              </a:spcAft>
+              <a:buNone/>
+            </a:pPr>
+            <a:r>
+              <a:rPr lang="en"/>
+              <a:t>3. Calculate mu which is an estimation to the absolute value of the dominant eigenvalue, using b_k.</a:t>
+            </a:r>
+            <a:endParaRPr/>
+          </a:p>
+          <a:p>
+            <a:pPr indent="0" lvl="0" marL="0" rtl="0" algn="l">
+              <a:spcBef>
+                <a:spcPts val="1200"/>
+              </a:spcBef>
+              <a:spcAft>
+                <a:spcPts val="0"/>
+              </a:spcAft>
+              <a:buNone/>
+            </a:pPr>
+            <a:r>
+              <a:rPr lang="en"/>
+              <a:t>4. Find M, that fits the condition of the equation:</a:t>
+            </a:r>
+            <a:endParaRPr/>
+          </a:p>
+          <a:p>
+            <a:pPr indent="0" lvl="0" marL="0" rtl="0" algn="l">
+              <a:spcBef>
+                <a:spcPts val="1200"/>
+              </a:spcBef>
+              <a:spcAft>
+                <a:spcPts val="0"/>
+              </a:spcAft>
+              <a:buNone/>
+            </a:pPr>
+            <a:r>
+              <a:rPr lang="en"/>
+              <a:t>5. Calculate the approximation of the matrix exponential using sum of Taylor series from 0 to m (iv)</a:t>
+            </a:r>
+            <a:endParaRPr/>
+          </a:p>
+          <a:p>
+            <a:pPr indent="0" lvl="0" marL="0" rtl="0" algn="l">
+              <a:spcBef>
+                <a:spcPts val="1200"/>
+              </a:spcBef>
+              <a:spcAft>
+                <a:spcPts val="1200"/>
+              </a:spcAft>
+              <a:buNone/>
+            </a:pPr>
+            <a:r>
+              <a:rPr lang="en"/>
+              <a:t>6. Scale up using repeated squaring back to the original scale (python)</a:t>
+            </a:r>
+            <a:endParaRPr/>
+          </a:p>
+        </p:txBody>
+      </p:sp>
+      <p:pic>
+        <p:nvPicPr>
+          <p:cNvPr id="68" name="Google Shape;68;p14"/>
+          <p:cNvPicPr preferRelativeResize="0"/>
+          <p:nvPr/>
+        </p:nvPicPr>
+        <p:blipFill rotWithShape="1">
+          <a:blip r:embed="rId3">
+            <a:alphaModFix/>
+          </a:blip>
+          <a:srcRect b="0" l="0" r="8550" t="0"/>
+          <a:stretch/>
+        </p:blipFill>
+        <p:spPr>
+          <a:xfrm>
+            <a:off x="4990199" y="2976300"/>
+            <a:ext cx="1109100" cy="572700"/>
+          </a:xfrm>
+          <a:prstGeom prst="rect">
+            <a:avLst/>
+          </a:prstGeom>
+          <a:noFill/>
+          <a:ln>
+            <a:noFill/>
+          </a:ln>
+        </p:spPr>
+      </p:pic>
+      <p:sp>
+        <p:nvSpPr>
+          <p:cNvPr id="69" name="Google Shape;69;p14"/>
+          <p:cNvSpPr txBox="1"/>
+          <p:nvPr>
+            <p:ph idx="12" type="sldNum"/>
+          </p:nvPr>
+        </p:nvSpPr>
+        <p:spPr>
+          <a:xfrm>
+            <a:off x="8472458" y="4663217"/>
+            <a:ext cx="548700" cy="393600"/>
+          </a:xfrm>
+          <a:prstGeom prst="rect">
+            <a:avLst/>
+          </a:prstGeom>
+        </p:spPr>
+        <p:txBody>
+          <a:bodyPr anchorCtr="0" anchor="ctr" bIns="91425" lIns="91425" spcFirstLastPara="1" rIns="91425" wrap="square" tIns="91425">
+            <a:normAutofit/>
+          </a:bodyPr>
+          <a:lstStyle/>
+          <a:p>
+            <a:pPr indent="0" lvl="0" marL="0" rtl="0" algn="r">
+              <a:spcBef>
+                <a:spcPts val="0"/>
+              </a:spcBef>
+              <a:spcAft>
+                <a:spcPts val="0"/>
+              </a:spcAft>
+              <a:buNone/>
+            </a:pPr>
+            <a:fld id="{00000000-1234-1234-1234-123412341234}" type="slidenum">
+              <a:rPr lang="en">
+                <a:solidFill>
+                  <a:schemeClr val="dk1"/>
+                </a:solidFill>
+                <a:latin typeface="Proxima Nova"/>
+                <a:ea typeface="Proxima Nova"/>
+                <a:cs typeface="Proxima Nova"/>
+                <a:sym typeface="Proxima Nova"/>
+              </a:rPr>
+              <a:t>‹#›</a:t>
+            </a:fld>
+            <a:endParaRPr>
+              <a:solidFill>
+                <a:schemeClr val="dk1"/>
+              </a:solidFill>
+              <a:latin typeface="Proxima Nova"/>
+              <a:ea typeface="Proxima Nova"/>
+              <a:cs typeface="Proxima Nova"/>
+              <a:sym typeface="Proxima Nova"/>
+            </a:endParaRPr>
+          </a:p>
+        </p:txBody>
+      </p:sp>
+      <p:pic>
+        <p:nvPicPr>
+          <p:cNvPr id="70" name="Google Shape;70;p14"/>
+          <p:cNvPicPr preferRelativeResize="0"/>
+          <p:nvPr/>
+        </p:nvPicPr>
+        <p:blipFill>
+          <a:blip r:embed="rId4">
+            <a:alphaModFix/>
+          </a:blip>
+          <a:stretch>
+            <a:fillRect/>
+          </a:stretch>
+        </p:blipFill>
+        <p:spPr>
+          <a:xfrm>
+            <a:off x="5202283" y="1533200"/>
+            <a:ext cx="1371934" cy="634000"/>
+          </a:xfrm>
+          <a:prstGeom prst="rect">
+            <a:avLst/>
+          </a:prstGeom>
+          <a:noFill/>
+          <a:ln>
+            <a:noFill/>
+          </a:ln>
+        </p:spPr>
+      </p:pic>
+      <p:pic>
+        <p:nvPicPr>
+          <p:cNvPr id="71" name="Google Shape;71;p14"/>
+          <p:cNvPicPr preferRelativeResize="0"/>
+          <p:nvPr/>
+        </p:nvPicPr>
+        <p:blipFill rotWithShape="1">
+          <a:blip r:embed="rId5">
+            <a:alphaModFix/>
+          </a:blip>
+          <a:srcRect b="11273" l="9403" r="0" t="10054"/>
+          <a:stretch/>
+        </p:blipFill>
+        <p:spPr>
+          <a:xfrm>
+            <a:off x="6143852" y="3548988"/>
+            <a:ext cx="1276273" cy="634000"/>
+          </a:xfrm>
+          <a:prstGeom prst="rect">
+            <a:avLst/>
+          </a:prstGeom>
+          <a:noFill/>
+          <a:ln>
+            <a:noFill/>
+          </a:ln>
+        </p:spPr>
+      </p:pic>
+      <p:pic>
+        <p:nvPicPr>
+          <p:cNvPr id="72" name="Google Shape;72;p14"/>
+          <p:cNvPicPr preferRelativeResize="0"/>
+          <p:nvPr/>
+        </p:nvPicPr>
+        <p:blipFill>
+          <a:blip r:embed="rId6">
+            <a:alphaModFix/>
+          </a:blip>
+          <a:stretch>
+            <a:fillRect/>
+          </a:stretch>
+        </p:blipFill>
+        <p:spPr>
+          <a:xfrm>
+            <a:off x="5496976" y="2241600"/>
+            <a:ext cx="1371950" cy="734707"/>
+          </a:xfrm>
+          <a:prstGeom prst="rect">
+            <a:avLst/>
+          </a:prstGeom>
+          <a:noFill/>
+          <a:ln>
+            <a:noFill/>
+          </a:ln>
+        </p:spPr>
+      </p:pic>
+      <p:pic>
+        <p:nvPicPr>
+          <p:cNvPr id="73" name="Google Shape;73;p14"/>
+          <p:cNvPicPr preferRelativeResize="0"/>
+          <p:nvPr/>
+        </p:nvPicPr>
+        <p:blipFill>
+          <a:blip r:embed="rId7">
+            <a:alphaModFix/>
+          </a:blip>
+          <a:stretch>
+            <a:fillRect/>
+          </a:stretch>
+        </p:blipFill>
+        <p:spPr>
+          <a:xfrm>
+            <a:off x="6758425" y="1621562"/>
+            <a:ext cx="2262725" cy="457275"/>
+          </a:xfrm>
+          <a:prstGeom prst="rect">
+            <a:avLst/>
+          </a:prstGeom>
+          <a:noFill/>
+          <a:ln>
+            <a:noFill/>
+          </a:ln>
+        </p:spPr>
+      </p:pic>
+    </p:spTree>
+  </p:cSld>
+  <p:clrMapOvr>
+    <a:masterClrMapping/>
+  </p:clrMapOvr>
+</p:sld>
+</file>
+
+<file path=ppt/slides/slide3.xml><?xml version="1.0" encoding="utf-8"?>
+<p:sld xmlns:a="http://schemas.openxmlformats.org/drawingml/2006/main" xmlns:r="http://schemas.openxmlformats.org/officeDocument/2006/relationships" xmlns:mc="http://schemas.openxmlformats.org/markup-compatibility/2006" xmlns:mv="urn:schemas-microsoft-com:mac:vml" xmlns:p="http://schemas.openxmlformats.org/presentationml/2006/main" xmlns:c="http://schemas.openxmlformats.org/drawingml/2006/chart" xmlns:dgm="http://schemas.openxmlformats.org/drawingml/2006/diagram" xmlns:o="urn:schemas-microsoft-com:office:office" xmlns:v="urn:schemas-microsoft-com:vml" xmlns:pvml="urn:schemas-microsoft-com:office:powerpoint" xmlns:com="http://schemas.openxmlformats.org/drawingml/2006/compatibility" xmlns:p14="http://schemas.microsoft.com/office/powerpoint/2010/main" xmlns:p15="http://schemas.microsoft.com/office/powerpoint/2012/main" xmlns:ahyp="http://schemas.microsoft.com/office/drawing/2018/hyperlinkcolor">
+  <p:cSld>
+    <p:spTree>
+      <p:nvGrpSpPr>
+        <p:cNvPr id="77" name="Shape 77"/>
+        <p:cNvGrpSpPr/>
+        <p:nvPr/>
+      </p:nvGrpSpPr>
+      <p:grpSpPr>
+        <a:xfrm>
+          <a:off x="0" y="0"/>
+          <a:ext cx="0" cy="0"/>
+          <a:chOff x="0" y="0"/>
+          <a:chExt cx="0" cy="0"/>
+        </a:xfrm>
+      </p:grpSpPr>
+      <p:sp>
+        <p:nvSpPr>
+          <p:cNvPr id="78" name="Google Shape;78;p15"/>
           <p:cNvSpPr txBox="1"/>
           <p:nvPr>
             <p:ph type="title"/>
@@ -6146,7 +7221,7 @@
             </a:pPr>
             <a:r>
               <a:rPr lang="en"/>
-              <a:t>The Algorithm</a:t>
+              <a:t>Advantages</a:t>
             </a:r>
             <a:endParaRPr/>
           </a:p>
@@ -6154,7 +7229,7 @@
       </p:sp>
       <p:sp>
         <p:nvSpPr>
-          <p:cNvPr id="62" name="Google Shape;62;p14"/>
+          <p:cNvPr id="79" name="Google Shape;79;p15"/>
           <p:cNvSpPr txBox="1"/>
           <p:nvPr>
             <p:ph idx="1" type="body"/>
@@ -6163,7 +7238,7 @@
         <p:spPr>
           <a:xfrm>
             <a:off x="311700" y="1152475"/>
-            <a:ext cx="8520600" cy="3416400"/>
+            <a:ext cx="4260300" cy="3416400"/>
           </a:xfrm>
           <a:prstGeom prst="rect">
             <a:avLst/>
@@ -6171,211 +7246,172 @@
         </p:spPr>
         <p:txBody>
           <a:bodyPr anchorCtr="0" anchor="t" bIns="91425" lIns="91425" spcFirstLastPara="1" rIns="91425" wrap="square" tIns="91425">
-            <a:normAutofit fontScale="77500" lnSpcReduction="10000"/>
+            <a:normAutofit/>
           </a:bodyPr>
           <a:lstStyle/>
           <a:p>
-            <a:pPr indent="0" lvl="0" marL="0" rtl="0" algn="l">
-              <a:spcBef>
-                <a:spcPts val="0"/>
-              </a:spcBef>
-              <a:spcAft>
-                <a:spcPts val="0"/>
-              </a:spcAft>
-              <a:buNone/>
+            <a:pPr indent="0" lvl="0" marL="0" rtl="0" algn="ctr">
+              <a:spcBef>
+                <a:spcPts val="0"/>
+              </a:spcBef>
+              <a:spcAft>
+                <a:spcPts val="0"/>
+              </a:spcAft>
+              <a:buNone/>
+            </a:pPr>
+            <a:r>
+              <a:rPr b="1" lang="en" u="sng"/>
+              <a:t>Python</a:t>
+            </a:r>
+            <a:endParaRPr b="1" u="sng"/>
+          </a:p>
+          <a:p>
+            <a:pPr indent="-342900" lvl="0" marL="457200" rtl="0" algn="l">
+              <a:spcBef>
+                <a:spcPts val="1200"/>
+              </a:spcBef>
+              <a:spcAft>
+                <a:spcPts val="0"/>
+              </a:spcAft>
+              <a:buSzPts val="1800"/>
+              <a:buChar char="-"/>
             </a:pPr>
             <a:r>
               <a:rPr lang="en"/>
-              <a:t>1. Scale down the matrix for calculation to avoid overflow.</a:t>
+              <a:t>Easy and readable code</a:t>
             </a:r>
             <a:endParaRPr/>
           </a:p>
           <a:p>
-            <a:pPr indent="0" lvl="0" marL="0" rtl="0" algn="l">
-              <a:spcBef>
-                <a:spcPts val="1200"/>
-              </a:spcBef>
-              <a:spcAft>
-                <a:spcPts val="0"/>
-              </a:spcAft>
-              <a:buNone/>
+            <a:pPr indent="-342900" lvl="0" marL="457200" rtl="0" algn="l">
+              <a:spcBef>
+                <a:spcPts val="0"/>
+              </a:spcBef>
+              <a:spcAft>
+                <a:spcPts val="0"/>
+              </a:spcAft>
+              <a:buSzPts val="1800"/>
+              <a:buChar char="-"/>
             </a:pPr>
             <a:r>
               <a:rPr lang="en"/>
-              <a:t>2. Find b_k which is an estimation to the dominant eigenvector with approximation of epsilon.</a:t>
+              <a:t>An optimized vectorization library (NumPy)</a:t>
             </a:r>
             <a:endParaRPr/>
           </a:p>
           <a:p>
-            <a:pPr indent="0" lvl="0" marL="0" rtl="0" algn="l">
-              <a:spcBef>
-                <a:spcPts val="1200"/>
-              </a:spcBef>
-              <a:spcAft>
-                <a:spcPts val="0"/>
-              </a:spcAft>
-              <a:buNone/>
+            <a:pPr indent="-342900" lvl="0" marL="457200" rtl="0" algn="l">
+              <a:spcBef>
+                <a:spcPts val="0"/>
+              </a:spcBef>
+              <a:spcAft>
+                <a:spcPts val="0"/>
+              </a:spcAft>
+              <a:buSzPts val="1800"/>
+              <a:buChar char="-"/>
             </a:pPr>
             <a:r>
               <a:rPr lang="en"/>
-              <a:t>3. Calculate mu which is an estimation to the absolute value of the dominant eigenvalue, using b_k.</a:t>
+              <a:t>No reliance on libraries other than NumPy.</a:t>
             </a:r>
             <a:endParaRPr/>
           </a:p>
           <a:p>
-            <a:pPr indent="0" lvl="0" marL="0" rtl="0" algn="l">
-              <a:spcBef>
-                <a:spcPts val="1200"/>
-              </a:spcBef>
-              <a:spcAft>
-                <a:spcPts val="0"/>
-              </a:spcAft>
-              <a:buNone/>
+            <a:pPr indent="-342900" lvl="0" marL="457200" rtl="0" algn="l">
+              <a:spcBef>
+                <a:spcPts val="0"/>
+              </a:spcBef>
+              <a:spcAft>
+                <a:spcPts val="0"/>
+              </a:spcAft>
+              <a:buSzPts val="1800"/>
+              <a:buChar char="-"/>
             </a:pPr>
             <a:r>
               <a:rPr lang="en"/>
-              <a:t>4. Find M, that fits the condition of</a:t>
-            </a:r>
-            <a:endParaRPr/>
-          </a:p>
-          <a:p>
-            <a:pPr indent="0" lvl="0" marL="0" rtl="0" algn="l">
-              <a:spcBef>
-                <a:spcPts val="1200"/>
-              </a:spcBef>
-              <a:spcAft>
-                <a:spcPts val="0"/>
-              </a:spcAft>
-              <a:buNone/>
-            </a:pPr>
-            <a:r>
-              <a:rPr lang="en"/>
-              <a:t>5. Calculate the approximation of the matrix exponential using sum of Taylor series from 0 to m.  </a:t>
-            </a:r>
-            <a:endParaRPr/>
-          </a:p>
-          <a:p>
-            <a:pPr indent="0" lvl="0" marL="0" rtl="0" algn="l">
-              <a:spcBef>
-                <a:spcPts val="1200"/>
-              </a:spcBef>
-              <a:spcAft>
-                <a:spcPts val="0"/>
-              </a:spcAft>
-              <a:buNone/>
-            </a:pPr>
-            <a:r>
-              <a:t/>
-            </a:r>
-            <a:endParaRPr/>
-          </a:p>
-          <a:p>
-            <a:pPr indent="0" lvl="0" marL="0" rtl="0" algn="l">
-              <a:spcBef>
-                <a:spcPts val="1200"/>
-              </a:spcBef>
-              <a:spcAft>
-                <a:spcPts val="0"/>
-              </a:spcAft>
-              <a:buNone/>
-            </a:pPr>
-            <a:r>
-              <a:t/>
-            </a:r>
-            <a:endParaRPr/>
-          </a:p>
-          <a:p>
-            <a:pPr indent="0" lvl="0" marL="0" rtl="0" algn="l">
-              <a:spcBef>
-                <a:spcPts val="1200"/>
-              </a:spcBef>
-              <a:spcAft>
-                <a:spcPts val="0"/>
-              </a:spcAft>
-              <a:buNone/>
-            </a:pPr>
-            <a:r>
-              <a:rPr lang="en"/>
-              <a:t>6. Scale up using repeated squaring back to the original scale.</a:t>
-            </a:r>
-            <a:endParaRPr/>
-          </a:p>
-          <a:p>
-            <a:pPr indent="0" lvl="0" marL="0" rtl="0" algn="l">
-              <a:spcBef>
-                <a:spcPts val="1200"/>
-              </a:spcBef>
-              <a:spcAft>
-                <a:spcPts val="1200"/>
-              </a:spcAft>
-              <a:buNone/>
-            </a:pPr>
-            <a:r>
-              <a:t/>
+              <a:t>Loading CSV file in one line. (np.loadtext)</a:t>
             </a:r>
             <a:endParaRPr/>
           </a:p>
         </p:txBody>
       </p:sp>
-      <p:pic>
-        <p:nvPicPr>
-          <p:cNvPr id="63" name="Google Shape;63;p14"/>
-          <p:cNvPicPr preferRelativeResize="0"/>
-          <p:nvPr/>
-        </p:nvPicPr>
-        <p:blipFill>
-          <a:blip r:embed="rId3">
-            <a:alphaModFix/>
-          </a:blip>
-          <a:stretch>
-            <a:fillRect/>
-          </a:stretch>
-        </p:blipFill>
+      <p:sp>
+        <p:nvSpPr>
+          <p:cNvPr id="80" name="Google Shape;80;p15"/>
+          <p:cNvSpPr txBox="1"/>
+          <p:nvPr>
+            <p:ph idx="1" type="body"/>
+          </p:nvPr>
+        </p:nvSpPr>
         <p:spPr>
           <a:xfrm>
-            <a:off x="3196954" y="2270200"/>
-            <a:ext cx="956750" cy="451800"/>
+            <a:off x="4730650" y="1152475"/>
+            <a:ext cx="4260300" cy="3416400"/>
           </a:xfrm>
           <a:prstGeom prst="rect">
             <a:avLst/>
           </a:prstGeom>
-          <a:noFill/>
-          <a:ln>
-            <a:noFill/>
-          </a:ln>
         </p:spPr>
-      </p:pic>
-      <p:pic>
-        <p:nvPicPr>
-          <p:cNvPr id="64" name="Google Shape;64;p14"/>
-          <p:cNvPicPr preferRelativeResize="0"/>
-          <p:nvPr/>
-        </p:nvPicPr>
-        <p:blipFill>
-          <a:blip r:embed="rId4">
-            <a:alphaModFix/>
-          </a:blip>
-          <a:stretch>
-            <a:fillRect/>
-          </a:stretch>
-        </p:blipFill>
-        <p:spPr>
-          <a:xfrm>
-            <a:off x="5197250" y="3125150"/>
-            <a:ext cx="1245634" cy="572700"/>
-          </a:xfrm>
-          <a:prstGeom prst="rect">
-            <a:avLst/>
-          </a:prstGeom>
-          <a:noFill/>
-          <a:ln>
-            <a:noFill/>
-          </a:ln>
-        </p:spPr>
-      </p:pic>
+        <p:txBody>
+          <a:bodyPr anchorCtr="0" anchor="t" bIns="91425" lIns="91425" spcFirstLastPara="1" rIns="91425" wrap="square" tIns="91425">
+            <a:normAutofit/>
+          </a:bodyPr>
+          <a:lstStyle/>
+          <a:p>
+            <a:pPr indent="0" lvl="0" marL="0" rtl="0" algn="ctr">
+              <a:spcBef>
+                <a:spcPts val="0"/>
+              </a:spcBef>
+              <a:spcAft>
+                <a:spcPts val="0"/>
+              </a:spcAft>
+              <a:buNone/>
+            </a:pPr>
+            <a:r>
+              <a:rPr b="1" lang="en" u="sng"/>
+              <a:t>Scheme</a:t>
+            </a:r>
+            <a:endParaRPr b="1" u="sng"/>
+          </a:p>
+          <a:p>
+            <a:pPr indent="-342900" lvl="0" marL="457200" rtl="0" algn="l">
+              <a:spcBef>
+                <a:spcPts val="1200"/>
+              </a:spcBef>
+              <a:spcAft>
+                <a:spcPts val="0"/>
+              </a:spcAft>
+              <a:buSzPts val="1800"/>
+              <a:buChar char="-"/>
+            </a:pPr>
+            <a:r>
+              <a:rPr lang="en"/>
+              <a:t>Separation of the logic to “public” functions and “private” recursive functions that handle the calculations.</a:t>
+            </a:r>
+            <a:endParaRPr/>
+          </a:p>
+          <a:p>
+            <a:pPr indent="-342900" lvl="0" marL="457200" rtl="0" algn="l">
+              <a:spcBef>
+                <a:spcPts val="0"/>
+              </a:spcBef>
+              <a:spcAft>
+                <a:spcPts val="0"/>
+              </a:spcAft>
+              <a:buSzPts val="1800"/>
+              <a:buChar char="-"/>
+            </a:pPr>
+            <a:r>
+              <a:rPr lang="en"/>
+              <a:t>An optimized vectorization library (Flomat)</a:t>
+            </a:r>
+            <a:endParaRPr/>
+          </a:p>
+        </p:txBody>
+      </p:sp>
       <p:sp>
         <p:nvSpPr>
-          <p:cNvPr id="65" name="Google Shape;65;p14"/>
+          <p:cNvPr id="81" name="Google Shape;81;p15"/>
           <p:cNvSpPr txBox="1"/>
           <p:nvPr>
             <p:ph idx="12" type="sldNum"/>
@@ -6406,10 +7442,26 @@
               <a:buNone/>
             </a:pPr>
             <a:fld id="{00000000-1234-1234-1234-123412341234}" type="slidenum">
-              <a:rPr lang="en"/>
+              <a:rPr lang="en">
+                <a:solidFill>
+                  <a:schemeClr val="dk1"/>
+                </a:solidFill>
+                <a:latin typeface="Proxima Nova"/>
+                <a:ea typeface="Proxima Nova"/>
+                <a:cs typeface="Proxima Nova"/>
+                <a:sym typeface="Proxima Nova"/>
+              </a:rPr>
               <a:t>‹#›</a:t>
             </a:fld>
-            <a:endParaRPr/>
+            <a:endParaRPr>
+              <a:solidFill>
+                <a:schemeClr val="dk1"/>
+              </a:solidFill>
+              <a:latin typeface="Proxima Nova"/>
+              <a:ea typeface="Proxima Nova"/>
+              <a:cs typeface="Proxima Nova"/>
+              <a:sym typeface="Proxima Nova"/>
+            </a:endParaRPr>
           </a:p>
         </p:txBody>
       </p:sp>
@@ -6421,12 +7473,12 @@
 </p:sld>
 </file>
 
-<file path=ppt/slides/slide3.xml><?xml version="1.0" encoding="utf-8"?>
+<file path=ppt/slides/slide4.xml><?xml version="1.0" encoding="utf-8"?>
 <p:sld xmlns:a="http://schemas.openxmlformats.org/drawingml/2006/main" xmlns:r="http://schemas.openxmlformats.org/officeDocument/2006/relationships" xmlns:mc="http://schemas.openxmlformats.org/markup-compatibility/2006" xmlns:mv="urn:schemas-microsoft-com:mac:vml" xmlns:p="http://schemas.openxmlformats.org/presentationml/2006/main" xmlns:c="http://schemas.openxmlformats.org/drawingml/2006/chart" xmlns:dgm="http://schemas.openxmlformats.org/drawingml/2006/diagram" xmlns:o="urn:schemas-microsoft-com:office:office" xmlns:v="urn:schemas-microsoft-com:vml" xmlns:pvml="urn:schemas-microsoft-com:office:powerpoint" xmlns:com="http://schemas.openxmlformats.org/drawingml/2006/compatibility" xmlns:p14="http://schemas.microsoft.com/office/powerpoint/2010/main" xmlns:p15="http://schemas.microsoft.com/office/powerpoint/2012/main" xmlns:ahyp="http://schemas.microsoft.com/office/drawing/2018/hyperlinkcolor">
   <p:cSld>
     <p:spTree>
       <p:nvGrpSpPr>
-        <p:cNvPr id="69" name="Shape 69"/>
+        <p:cNvPr id="85" name="Shape 85"/>
         <p:cNvGrpSpPr/>
         <p:nvPr/>
       </p:nvGrpSpPr>
@@ -6440,7 +7492,7 @@
       </p:grpSpPr>
       <p:sp>
         <p:nvSpPr>
-          <p:cNvPr id="70" name="Google Shape;70;p15"/>
+          <p:cNvPr id="86" name="Google Shape;86;p16"/>
           <p:cNvSpPr txBox="1"/>
           <p:nvPr>
             <p:ph type="title"/>
@@ -6468,11 +7520,16 @@
               <a:spcAft>
                 <a:spcPts val="0"/>
               </a:spcAft>
+              <a:buClr>
+                <a:schemeClr val="dk1"/>
+              </a:buClr>
+              <a:buSzPct val="39285"/>
+              <a:buFont typeface="Arial"/>
               <a:buNone/>
             </a:pPr>
             <a:r>
               <a:rPr lang="en"/>
-              <a:t>Advantages</a:t>
+              <a:t>Disadvantages</a:t>
             </a:r>
             <a:endParaRPr/>
           </a:p>
@@ -6480,7 +7537,7 @@
       </p:sp>
       <p:sp>
         <p:nvSpPr>
-          <p:cNvPr id="71" name="Google Shape;71;p15"/>
+          <p:cNvPr id="87" name="Google Shape;87;p16"/>
           <p:cNvSpPr txBox="1"/>
           <p:nvPr>
             <p:ph idx="1" type="body"/>
@@ -6501,25 +7558,42 @@
           </a:bodyPr>
           <a:lstStyle/>
           <a:p>
-            <a:pPr indent="0" lvl="0" marL="0" rtl="0" algn="l">
-              <a:spcBef>
-                <a:spcPts val="0"/>
-              </a:spcBef>
-              <a:spcAft>
-                <a:spcPts val="0"/>
-              </a:spcAft>
-              <a:buNone/>
+            <a:pPr indent="0" lvl="0" marL="0" rtl="0" algn="ctr">
+              <a:spcBef>
+                <a:spcPts val="0"/>
+              </a:spcBef>
+              <a:spcAft>
+                <a:spcPts val="0"/>
+              </a:spcAft>
+              <a:buNone/>
+            </a:pPr>
+            <a:r>
+              <a:rPr b="1" lang="en" u="sng"/>
+              <a:t>Python</a:t>
+            </a:r>
+            <a:endParaRPr b="1" u="sng"/>
+          </a:p>
+          <a:p>
+            <a:pPr indent="-342900" lvl="0" marL="457200" rtl="0" algn="l">
+              <a:spcBef>
+                <a:spcPts val="1200"/>
+              </a:spcBef>
+              <a:spcAft>
+                <a:spcPts val="0"/>
+              </a:spcAft>
+              <a:buSzPts val="1800"/>
+              <a:buChar char="-"/>
             </a:pPr>
             <a:r>
               <a:rPr lang="en"/>
-              <a:t>Python</a:t>
+              <a:t>Uses an interpreter instead of the compiler which gives a slower execution time.</a:t>
             </a:r>
             <a:endParaRPr/>
           </a:p>
           <a:p>
             <a:pPr indent="-342900" lvl="0" marL="457200" rtl="0" algn="l">
               <a:spcBef>
-                <a:spcPts val="1200"/>
+                <a:spcPts val="0"/>
               </a:spcBef>
               <a:spcAft>
                 <a:spcPts val="0"/>
@@ -6529,74 +7603,7 @@
             </a:pPr>
             <a:r>
               <a:rPr lang="en"/>
-              <a:t>Easy and readable code</a:t>
-            </a:r>
-            <a:endParaRPr/>
-          </a:p>
-          <a:p>
-            <a:pPr indent="-342900" lvl="0" marL="457200" rtl="0" algn="l">
-              <a:spcBef>
-                <a:spcPts val="0"/>
-              </a:spcBef>
-              <a:spcAft>
-                <a:spcPts val="0"/>
-              </a:spcAft>
-              <a:buSzPts val="1800"/>
-              <a:buChar char="-"/>
-            </a:pPr>
-            <a:r>
-              <a:rPr lang="en"/>
-              <a:t>An optimized vectorization library (NumPy)</a:t>
-            </a:r>
-            <a:endParaRPr/>
-          </a:p>
-          <a:p>
-            <a:pPr indent="-342900" lvl="0" marL="457200" rtl="0" algn="l">
-              <a:spcBef>
-                <a:spcPts val="0"/>
-              </a:spcBef>
-              <a:spcAft>
-                <a:spcPts val="0"/>
-              </a:spcAft>
-              <a:buSzPts val="1800"/>
-              <a:buChar char="-"/>
-            </a:pPr>
-            <a:r>
-              <a:rPr lang="en"/>
-              <a:t>No reliance on libraries other than NumPy.</a:t>
-            </a:r>
-            <a:endParaRPr/>
-          </a:p>
-          <a:p>
-            <a:pPr indent="-342900" lvl="0" marL="457200" rtl="0" algn="l">
-              <a:spcBef>
-                <a:spcPts val="0"/>
-              </a:spcBef>
-              <a:spcAft>
-                <a:spcPts val="0"/>
-              </a:spcAft>
-              <a:buSzPts val="1800"/>
-              <a:buChar char="-"/>
-            </a:pPr>
-            <a:r>
-              <a:rPr lang="en"/>
-              <a:t>Offers built in time library for runtime measurements.</a:t>
-            </a:r>
-            <a:endParaRPr/>
-          </a:p>
-          <a:p>
-            <a:pPr indent="-342900" lvl="0" marL="457200" rtl="0" algn="l">
-              <a:spcBef>
-                <a:spcPts val="0"/>
-              </a:spcBef>
-              <a:spcAft>
-                <a:spcPts val="0"/>
-              </a:spcAft>
-              <a:buSzPts val="1800"/>
-              <a:buChar char="-"/>
-            </a:pPr>
-            <a:r>
-              <a:t/>
+              <a:t>Floating point arithmetic precision loss in big numbers, requires scaling down the matrix.</a:t>
             </a:r>
             <a:endParaRPr/>
           </a:p>
@@ -6604,7 +7611,7 @@
       </p:sp>
       <p:sp>
         <p:nvSpPr>
-          <p:cNvPr id="72" name="Google Shape;72;p15"/>
+          <p:cNvPr id="88" name="Google Shape;88;p16"/>
           <p:cNvSpPr txBox="1"/>
           <p:nvPr>
             <p:ph idx="1" type="body"/>
@@ -6625,25 +7632,42 @@
           </a:bodyPr>
           <a:lstStyle/>
           <a:p>
-            <a:pPr indent="0" lvl="0" marL="0" rtl="0" algn="l">
-              <a:spcBef>
-                <a:spcPts val="0"/>
-              </a:spcBef>
-              <a:spcAft>
-                <a:spcPts val="0"/>
-              </a:spcAft>
-              <a:buNone/>
+            <a:pPr indent="0" lvl="0" marL="0" rtl="0" algn="ctr">
+              <a:spcBef>
+                <a:spcPts val="0"/>
+              </a:spcBef>
+              <a:spcAft>
+                <a:spcPts val="0"/>
+              </a:spcAft>
+              <a:buNone/>
+            </a:pPr>
+            <a:r>
+              <a:rPr b="1" lang="en" u="sng"/>
+              <a:t>Scheme</a:t>
+            </a:r>
+            <a:endParaRPr b="1" u="sng"/>
+          </a:p>
+          <a:p>
+            <a:pPr indent="-342900" lvl="0" marL="457200" rtl="0" algn="l">
+              <a:spcBef>
+                <a:spcPts val="1200"/>
+              </a:spcBef>
+              <a:spcAft>
+                <a:spcPts val="0"/>
+              </a:spcAft>
+              <a:buSzPts val="1800"/>
+              <a:buChar char="-"/>
             </a:pPr>
             <a:r>
               <a:rPr lang="en"/>
-              <a:t>Scheme</a:t>
+              <a:t>Reliance on tail recursion for optimization.</a:t>
             </a:r>
             <a:endParaRPr/>
           </a:p>
           <a:p>
             <a:pPr indent="-342900" lvl="0" marL="457200" rtl="0" algn="l">
               <a:spcBef>
-                <a:spcPts val="1200"/>
+                <a:spcPts val="0"/>
               </a:spcBef>
               <a:spcAft>
                 <a:spcPts val="0"/>
@@ -6653,7 +7677,7 @@
             </a:pPr>
             <a:r>
               <a:rPr lang="en"/>
-              <a:t>Separation of the logic to “public” functions and “private” recursive functions that handle the calculations.</a:t>
+              <a:t>Each calculation requires a new memory allocation.</a:t>
             </a:r>
             <a:endParaRPr/>
           </a:p>
@@ -6670,7 +7694,24 @@
             </a:pPr>
             <a:r>
               <a:rPr lang="en"/>
-              <a:t>An optimized vectorization library (flomat)</a:t>
+              <a:t>Long runtimes compared to python.</a:t>
+            </a:r>
+            <a:endParaRPr/>
+          </a:p>
+          <a:p>
+            <a:pPr indent="-342900" lvl="0" marL="457200" rtl="0" algn="l">
+              <a:spcBef>
+                <a:spcPts val="0"/>
+              </a:spcBef>
+              <a:spcAft>
+                <a:spcPts val="0"/>
+              </a:spcAft>
+              <a:buSzPts val="1800"/>
+              <a:buChar char="-"/>
+            </a:pPr>
+            <a:r>
+              <a:rPr lang="en"/>
+              <a:t>Loading and reading a CSV file requires parsing.</a:t>
             </a:r>
             <a:endParaRPr/>
           </a:p>
@@ -6678,7 +7719,7 @@
       </p:sp>
       <p:sp>
         <p:nvSpPr>
-          <p:cNvPr id="73" name="Google Shape;73;p15"/>
+          <p:cNvPr id="89" name="Google Shape;89;p16"/>
           <p:cNvSpPr txBox="1"/>
           <p:nvPr>
             <p:ph idx="12" type="sldNum"/>
@@ -6709,10 +7750,26 @@
               <a:buNone/>
             </a:pPr>
             <a:fld id="{00000000-1234-1234-1234-123412341234}" type="slidenum">
-              <a:rPr lang="en"/>
+              <a:rPr lang="en">
+                <a:solidFill>
+                  <a:schemeClr val="dk1"/>
+                </a:solidFill>
+                <a:latin typeface="Proxima Nova"/>
+                <a:ea typeface="Proxima Nova"/>
+                <a:cs typeface="Proxima Nova"/>
+                <a:sym typeface="Proxima Nova"/>
+              </a:rPr>
               <a:t>‹#›</a:t>
             </a:fld>
-            <a:endParaRPr/>
+            <a:endParaRPr>
+              <a:solidFill>
+                <a:schemeClr val="dk1"/>
+              </a:solidFill>
+              <a:latin typeface="Proxima Nova"/>
+              <a:ea typeface="Proxima Nova"/>
+              <a:cs typeface="Proxima Nova"/>
+              <a:sym typeface="Proxima Nova"/>
+            </a:endParaRPr>
           </a:p>
         </p:txBody>
       </p:sp>
@@ -6724,12 +7781,12 @@
 </p:sld>
 </file>
 
-<file path=ppt/slides/slide4.xml><?xml version="1.0" encoding="utf-8"?>
+<file path=ppt/slides/slide5.xml><?xml version="1.0" encoding="utf-8"?>
 <p:sld xmlns:a="http://schemas.openxmlformats.org/drawingml/2006/main" xmlns:r="http://schemas.openxmlformats.org/officeDocument/2006/relationships" xmlns:mc="http://schemas.openxmlformats.org/markup-compatibility/2006" xmlns:mv="urn:schemas-microsoft-com:mac:vml" xmlns:p="http://schemas.openxmlformats.org/presentationml/2006/main" xmlns:c="http://schemas.openxmlformats.org/drawingml/2006/chart" xmlns:dgm="http://schemas.openxmlformats.org/drawingml/2006/diagram" xmlns:o="urn:schemas-microsoft-com:office:office" xmlns:v="urn:schemas-microsoft-com:vml" xmlns:pvml="urn:schemas-microsoft-com:office:powerpoint" xmlns:com="http://schemas.openxmlformats.org/drawingml/2006/compatibility" xmlns:p14="http://schemas.microsoft.com/office/powerpoint/2010/main" xmlns:p15="http://schemas.microsoft.com/office/powerpoint/2012/main" xmlns:ahyp="http://schemas.microsoft.com/office/drawing/2018/hyperlinkcolor">
   <p:cSld>
     <p:spTree>
       <p:nvGrpSpPr>
-        <p:cNvPr id="77" name="Shape 77"/>
+        <p:cNvPr id="93" name="Shape 93"/>
         <p:cNvGrpSpPr/>
         <p:nvPr/>
       </p:nvGrpSpPr>
@@ -6743,7 +7800,7 @@
       </p:grpSpPr>
       <p:sp>
         <p:nvSpPr>
-          <p:cNvPr id="78" name="Google Shape;78;p16"/>
+          <p:cNvPr id="94" name="Google Shape;94;p17"/>
           <p:cNvSpPr txBox="1"/>
           <p:nvPr>
             <p:ph type="title"/>
@@ -6771,16 +7828,11 @@
               <a:spcAft>
                 <a:spcPts val="0"/>
               </a:spcAft>
-              <a:buClr>
-                <a:schemeClr val="dk1"/>
-              </a:buClr>
-              <a:buSzPct val="39285"/>
-              <a:buFont typeface="Arial"/>
               <a:buNone/>
             </a:pPr>
             <a:r>
               <a:rPr lang="en"/>
-              <a:t>Disadvantages</a:t>
+              <a:t>Optimization Techniques</a:t>
             </a:r>
             <a:endParaRPr/>
           </a:p>
@@ -6788,7 +7840,7 @@
       </p:sp>
       <p:sp>
         <p:nvSpPr>
-          <p:cNvPr id="79" name="Google Shape;79;p16"/>
+          <p:cNvPr id="95" name="Google Shape;95;p17"/>
           <p:cNvSpPr txBox="1"/>
           <p:nvPr>
             <p:ph idx="1" type="body"/>
@@ -6809,25 +7861,46 @@
           </a:bodyPr>
           <a:lstStyle/>
           <a:p>
-            <a:pPr indent="0" lvl="0" marL="0" rtl="0" algn="l">
-              <a:spcBef>
-                <a:spcPts val="0"/>
-              </a:spcBef>
-              <a:spcAft>
-                <a:spcPts val="0"/>
-              </a:spcAft>
-              <a:buNone/>
+            <a:pPr indent="0" lvl="0" marL="0" rtl="0" algn="ctr">
+              <a:spcBef>
+                <a:spcPts val="0"/>
+              </a:spcBef>
+              <a:spcAft>
+                <a:spcPts val="0"/>
+              </a:spcAft>
+              <a:buNone/>
+            </a:pPr>
+            <a:r>
+              <a:rPr b="1" lang="en" u="sng"/>
+              <a:t>Python</a:t>
+            </a:r>
+            <a:endParaRPr b="1" u="sng"/>
+          </a:p>
+          <a:p>
+            <a:pPr indent="-342900" lvl="0" marL="457200" rtl="0" algn="l">
+              <a:spcBef>
+                <a:spcPts val="1200"/>
+              </a:spcBef>
+              <a:spcAft>
+                <a:spcPts val="0"/>
+              </a:spcAft>
+              <a:buSzPts val="1800"/>
+              <a:buChar char="-"/>
             </a:pPr>
             <a:r>
               <a:rPr lang="en"/>
-              <a:t>Python</a:t>
+              <a:t>Using integration of NumPy library for matrix cr</a:t>
+            </a:r>
+            <a:r>
+              <a:rPr lang="en"/>
+              <a:t>eation, matrix multiplication, etc.</a:t>
             </a:r>
             <a:endParaRPr/>
           </a:p>
           <a:p>
             <a:pPr indent="-342900" lvl="0" marL="457200" rtl="0" algn="l">
               <a:spcBef>
-                <a:spcPts val="1200"/>
+                <a:spcPts val="0"/>
               </a:spcBef>
               <a:spcAft>
                 <a:spcPts val="0"/>
@@ -6837,23 +7910,7 @@
             </a:pPr>
             <a:r>
               <a:rPr lang="en"/>
-              <a:t>Uses an interpreter instead of the compiler which gives a slower execution time.</a:t>
-            </a:r>
-            <a:endParaRPr/>
-          </a:p>
-          <a:p>
-            <a:pPr indent="-342900" lvl="0" marL="457200" rtl="0" algn="l">
-              <a:spcBef>
-                <a:spcPts val="0"/>
-              </a:spcBef>
-              <a:spcAft>
-                <a:spcPts val="0"/>
-              </a:spcAft>
-              <a:buSzPts val="1800"/>
-              <a:buChar char="-"/>
-            </a:pPr>
-            <a:r>
-              <a:t/>
+              <a:t>Scaling down the original matrix to handle large numbers.</a:t>
             </a:r>
             <a:endParaRPr/>
           </a:p>
@@ -6861,7 +7918,7 @@
       </p:sp>
       <p:sp>
         <p:nvSpPr>
-          <p:cNvPr id="80" name="Google Shape;80;p16"/>
+          <p:cNvPr id="96" name="Google Shape;96;p17"/>
           <p:cNvSpPr txBox="1"/>
           <p:nvPr>
             <p:ph idx="1" type="body"/>
@@ -6882,25 +7939,50 @@
           </a:bodyPr>
           <a:lstStyle/>
           <a:p>
-            <a:pPr indent="0" lvl="0" marL="0" rtl="0" algn="l">
-              <a:spcBef>
-                <a:spcPts val="0"/>
-              </a:spcBef>
-              <a:spcAft>
-                <a:spcPts val="0"/>
-              </a:spcAft>
-              <a:buNone/>
+            <a:pPr indent="0" lvl="0" marL="0" rtl="0" algn="ctr">
+              <a:spcBef>
+                <a:spcPts val="0"/>
+              </a:spcBef>
+              <a:spcAft>
+                <a:spcPts val="0"/>
+              </a:spcAft>
+              <a:buNone/>
+            </a:pPr>
+            <a:r>
+              <a:rPr b="1" lang="en" u="sng"/>
+              <a:t>Scheme</a:t>
+            </a:r>
+            <a:endParaRPr b="1" u="sng"/>
+          </a:p>
+          <a:p>
+            <a:pPr indent="-342900" lvl="0" marL="457200" rtl="0" algn="l">
+              <a:spcBef>
+                <a:spcPts val="1200"/>
+              </a:spcBef>
+              <a:spcAft>
+                <a:spcPts val="0"/>
+              </a:spcAft>
+              <a:buSzPts val="1800"/>
+              <a:buChar char="-"/>
             </a:pPr>
             <a:r>
               <a:rPr lang="en"/>
-              <a:t>Scheme</a:t>
+              <a:t>Tail recursion for runtime </a:t>
+            </a:r>
+            <a:r>
+              <a:rPr lang="en"/>
+              <a:t>optimization</a:t>
+            </a:r>
+            <a:r>
+              <a:rPr lang="en"/>
+              <a:t>.</a:t>
             </a:r>
             <a:endParaRPr/>
           </a:p>
           <a:p>
             <a:pPr indent="-342900" lvl="0" marL="457200" rtl="0" algn="l">
               <a:spcBef>
-                <a:spcPts val="1200"/>
+                <a:spcPts val="0"/>
               </a:spcBef>
               <a:spcAft>
                 <a:spcPts val="0"/>
@@ -6910,58 +7992,7 @@
             </a:pPr>
             <a:r>
               <a:rPr lang="en"/>
-              <a:t>Reliance on tail recursion for optimization (which is not fun to write).</a:t>
-            </a:r>
-            <a:endParaRPr/>
-          </a:p>
-          <a:p>
-            <a:pPr indent="-342900" lvl="0" marL="457200" rtl="0" algn="l">
-              <a:spcBef>
-                <a:spcPts val="0"/>
-              </a:spcBef>
-              <a:spcAft>
-                <a:spcPts val="0"/>
-              </a:spcAft>
-              <a:buSzPts val="1800"/>
-              <a:buChar char="-"/>
-            </a:pPr>
-            <a:r>
-              <a:rPr lang="en"/>
-              <a:t>Each calculation requires a new memory allocation.</a:t>
-            </a:r>
-            <a:endParaRPr/>
-          </a:p>
-          <a:p>
-            <a:pPr indent="-342900" lvl="0" marL="457200" rtl="0" algn="l">
-              <a:spcBef>
-                <a:spcPts val="0"/>
-              </a:spcBef>
-              <a:spcAft>
-                <a:spcPts val="0"/>
-              </a:spcAft>
-              <a:buSzPts val="1800"/>
-              <a:buChar char="-"/>
-            </a:pPr>
-            <a:r>
-              <a:rPr lang="en"/>
-              <a:t>Long runtimes compared to python.</a:t>
-            </a:r>
-            <a:endParaRPr/>
-          </a:p>
-          <a:p>
-            <a:pPr indent="-342900" lvl="0" marL="457200" rtl="0" algn="l">
-              <a:spcBef>
-                <a:spcPts val="0"/>
-              </a:spcBef>
-              <a:spcAft>
-                <a:spcPts val="0"/>
-              </a:spcAft>
-              <a:buSzPts val="1800"/>
-              <a:buChar char="-"/>
-            </a:pPr>
-            <a:r>
-              <a:rPr lang="en"/>
-              <a:t>Non intuitive syntax.</a:t>
+              <a:t>Using Flomat library for vectorization.</a:t>
             </a:r>
             <a:endParaRPr/>
           </a:p>
@@ -6969,7 +8000,7 @@
       </p:sp>
       <p:sp>
         <p:nvSpPr>
-          <p:cNvPr id="81" name="Google Shape;81;p16"/>
+          <p:cNvPr id="97" name="Google Shape;97;p17"/>
           <p:cNvSpPr txBox="1"/>
           <p:nvPr>
             <p:ph idx="12" type="sldNum"/>
@@ -7000,10 +8031,26 @@
               <a:buNone/>
             </a:pPr>
             <a:fld id="{00000000-1234-1234-1234-123412341234}" type="slidenum">
-              <a:rPr lang="en"/>
+              <a:rPr lang="en">
+                <a:solidFill>
+                  <a:schemeClr val="dk1"/>
+                </a:solidFill>
+                <a:latin typeface="Proxima Nova"/>
+                <a:ea typeface="Proxima Nova"/>
+                <a:cs typeface="Proxima Nova"/>
+                <a:sym typeface="Proxima Nova"/>
+              </a:rPr>
               <a:t>‹#›</a:t>
             </a:fld>
-            <a:endParaRPr/>
+            <a:endParaRPr>
+              <a:solidFill>
+                <a:schemeClr val="dk1"/>
+              </a:solidFill>
+              <a:latin typeface="Proxima Nova"/>
+              <a:ea typeface="Proxima Nova"/>
+              <a:cs typeface="Proxima Nova"/>
+              <a:sym typeface="Proxima Nova"/>
+            </a:endParaRPr>
           </a:p>
         </p:txBody>
       </p:sp>
@@ -7015,12 +8062,12 @@
 </p:sld>
 </file>
 
-<file path=ppt/slides/slide5.xml><?xml version="1.0" encoding="utf-8"?>
+<file path=ppt/slides/slide6.xml><?xml version="1.0" encoding="utf-8"?>
 <p:sld xmlns:a="http://schemas.openxmlformats.org/drawingml/2006/main" xmlns:r="http://schemas.openxmlformats.org/officeDocument/2006/relationships" xmlns:mc="http://schemas.openxmlformats.org/markup-compatibility/2006" xmlns:mv="urn:schemas-microsoft-com:mac:vml" xmlns:p="http://schemas.openxmlformats.org/presentationml/2006/main" xmlns:c="http://schemas.openxmlformats.org/drawingml/2006/chart" xmlns:dgm="http://schemas.openxmlformats.org/drawingml/2006/diagram" xmlns:o="urn:schemas-microsoft-com:office:office" xmlns:v="urn:schemas-microsoft-com:vml" xmlns:pvml="urn:schemas-microsoft-com:office:powerpoint" xmlns:com="http://schemas.openxmlformats.org/drawingml/2006/compatibility" xmlns:p14="http://schemas.microsoft.com/office/powerpoint/2010/main" xmlns:p15="http://schemas.microsoft.com/office/powerpoint/2012/main" xmlns:ahyp="http://schemas.microsoft.com/office/drawing/2018/hyperlinkcolor">
   <p:cSld>
     <p:spTree>
       <p:nvGrpSpPr>
-        <p:cNvPr id="85" name="Shape 85"/>
+        <p:cNvPr id="101" name="Shape 101"/>
         <p:cNvGrpSpPr/>
         <p:nvPr/>
       </p:nvGrpSpPr>
@@ -7034,7 +8081,7 @@
       </p:grpSpPr>
       <p:sp>
         <p:nvSpPr>
-          <p:cNvPr id="86" name="Google Shape;86;p17"/>
+          <p:cNvPr id="102" name="Google Shape;102;p18"/>
           <p:cNvSpPr txBox="1"/>
           <p:nvPr>
             <p:ph type="title"/>
@@ -7066,7 +8113,7 @@
             </a:pPr>
             <a:r>
               <a:rPr lang="en"/>
-              <a:t>Optimization Techniques</a:t>
+              <a:t>Runtime Comparisons (Windows 11)</a:t>
             </a:r>
             <a:endParaRPr/>
           </a:p>
@@ -7074,7 +8121,7 @@
       </p:sp>
       <p:sp>
         <p:nvSpPr>
-          <p:cNvPr id="87" name="Google Shape;87;p17"/>
+          <p:cNvPr id="103" name="Google Shape;103;p18"/>
           <p:cNvSpPr txBox="1"/>
           <p:nvPr>
             <p:ph idx="1" type="body"/>
@@ -7095,9 +8142,25 @@
           </a:bodyPr>
           <a:lstStyle/>
           <a:p>
+            <a:pPr indent="0" lvl="0" marL="0" rtl="0" algn="ctr">
+              <a:spcBef>
+                <a:spcPts val="0"/>
+              </a:spcBef>
+              <a:spcAft>
+                <a:spcPts val="0"/>
+              </a:spcAft>
+              <a:buNone/>
+            </a:pPr>
+            <a:r>
+              <a:rPr b="1" lang="en" u="sng"/>
+              <a:t>Python</a:t>
+            </a:r>
+            <a:endParaRPr b="1" u="sng"/>
+          </a:p>
+          <a:p>
             <a:pPr indent="0" lvl="0" marL="0" rtl="0" algn="l">
               <a:spcBef>
-                <a:spcPts val="0"/>
+                <a:spcPts val="1200"/>
               </a:spcBef>
               <a:spcAft>
                 <a:spcPts val="0"/>
@@ -7106,45 +8169,53 @@
             </a:pPr>
             <a:r>
               <a:rPr lang="en"/>
-              <a:t>Python</a:t>
+              <a:t>Our Implementation:</a:t>
             </a:r>
             <a:endParaRPr/>
           </a:p>
           <a:p>
-            <a:pPr indent="-342900" lvl="0" marL="457200" rtl="0" algn="l">
+            <a:pPr indent="0" lvl="0" marL="0" rtl="0" algn="l">
               <a:spcBef>
                 <a:spcPts val="1200"/>
               </a:spcBef>
               <a:spcAft>
                 <a:spcPts val="0"/>
               </a:spcAft>
-              <a:buSzPts val="1800"/>
-              <a:buChar char="-"/>
+              <a:buNone/>
             </a:pPr>
             <a:r>
-              <a:rPr lang="en"/>
-              <a:t>Using integration of NumPy library for matrix cr</a:t>
-            </a:r>
-            <a:r>
-              <a:rPr lang="en"/>
-              <a:t>eation, matrix multiplication, etc.</a:t>
+              <a:t/>
             </a:r>
             <a:endParaRPr/>
           </a:p>
           <a:p>
-            <a:pPr indent="-342900" lvl="0" marL="457200" rtl="0" algn="l">
-              <a:spcBef>
-                <a:spcPts val="0"/>
-              </a:spcBef>
-              <a:spcAft>
-                <a:spcPts val="0"/>
-              </a:spcAft>
-              <a:buSzPts val="1800"/>
-              <a:buChar char="-"/>
+            <a:pPr indent="0" lvl="0" marL="0" rtl="0" algn="l">
+              <a:spcBef>
+                <a:spcPts val="1200"/>
+              </a:spcBef>
+              <a:spcAft>
+                <a:spcPts val="0"/>
+              </a:spcAft>
+              <a:buNone/>
             </a:pPr>
             <a:r>
               <a:rPr lang="en"/>
-              <a:t>Scaling down the original matrix to handle large numbers.</a:t>
+              <a:t>SciPy Implementation:</a:t>
+            </a:r>
+            <a:endParaRPr/>
+          </a:p>
+          <a:p>
+            <a:pPr indent="0" lvl="0" marL="0" rtl="0" algn="l">
+              <a:spcBef>
+                <a:spcPts val="1200"/>
+              </a:spcBef>
+              <a:spcAft>
+                <a:spcPts val="1200"/>
+              </a:spcAft>
+              <a:buNone/>
+            </a:pPr>
+            <a:r>
+              <a:t/>
             </a:r>
             <a:endParaRPr/>
           </a:p>
@@ -7152,7 +8223,7 @@
       </p:sp>
       <p:sp>
         <p:nvSpPr>
-          <p:cNvPr id="88" name="Google Shape;88;p17"/>
+          <p:cNvPr id="104" name="Google Shape;104;p18"/>
           <p:cNvSpPr txBox="1"/>
           <p:nvPr>
             <p:ph idx="1" type="body"/>
@@ -7173,7 +8244,7 @@
           </a:bodyPr>
           <a:lstStyle/>
           <a:p>
-            <a:pPr indent="0" lvl="0" marL="0" rtl="0" algn="l">
+            <a:pPr indent="0" lvl="0" marL="0" rtl="0" algn="ctr">
               <a:spcBef>
                 <a:spcPts val="0"/>
               </a:spcBef>
@@ -7183,196 +8254,10 @@
               <a:buNone/>
             </a:pPr>
             <a:r>
-              <a:rPr lang="en"/>
+              <a:rPr b="1" lang="en" u="sng"/>
               <a:t>Scheme</a:t>
             </a:r>
-            <a:endParaRPr/>
-          </a:p>
-          <a:p>
-            <a:pPr indent="-342900" lvl="0" marL="457200" rtl="0" algn="l">
-              <a:spcBef>
-                <a:spcPts val="1200"/>
-              </a:spcBef>
-              <a:spcAft>
-                <a:spcPts val="0"/>
-              </a:spcAft>
-              <a:buSzPts val="1800"/>
-              <a:buChar char="-"/>
-            </a:pPr>
-            <a:r>
-              <a:rPr lang="en"/>
-              <a:t>Tail recursion for runtime </a:t>
-            </a:r>
-            <a:r>
-              <a:rPr lang="en"/>
-              <a:t>optimization</a:t>
-            </a:r>
-            <a:r>
-              <a:rPr lang="en"/>
-              <a:t>.</a:t>
-            </a:r>
-            <a:endParaRPr/>
-          </a:p>
-          <a:p>
-            <a:pPr indent="-342900" lvl="0" marL="457200" rtl="0" algn="l">
-              <a:spcBef>
-                <a:spcPts val="0"/>
-              </a:spcBef>
-              <a:spcAft>
-                <a:spcPts val="0"/>
-              </a:spcAft>
-              <a:buSzPts val="1800"/>
-              <a:buChar char="-"/>
-            </a:pPr>
-            <a:r>
-              <a:t/>
-            </a:r>
-            <a:endParaRPr/>
-          </a:p>
-        </p:txBody>
-      </p:sp>
-      <p:sp>
-        <p:nvSpPr>
-          <p:cNvPr id="89" name="Google Shape;89;p17"/>
-          <p:cNvSpPr txBox="1"/>
-          <p:nvPr>
-            <p:ph idx="12" type="sldNum"/>
-          </p:nvPr>
-        </p:nvSpPr>
-        <p:spPr>
-          <a:xfrm>
-            <a:off x="8472458" y="4663217"/>
-            <a:ext cx="548700" cy="393600"/>
-          </a:xfrm>
-          <a:prstGeom prst="rect">
-            <a:avLst/>
-          </a:prstGeom>
-        </p:spPr>
-        <p:txBody>
-          <a:bodyPr anchorCtr="0" anchor="ctr" bIns="91425" lIns="91425" spcFirstLastPara="1" rIns="91425" wrap="square" tIns="91425">
-            <a:normAutofit/>
-          </a:bodyPr>
-          <a:lstStyle/>
-          <a:p>
-            <a:pPr indent="0" lvl="0" marL="0" rtl="0" algn="r">
-              <a:spcBef>
-                <a:spcPts val="0"/>
-              </a:spcBef>
-              <a:spcAft>
-                <a:spcPts val="0"/>
-              </a:spcAft>
-              <a:buNone/>
-            </a:pPr>
-            <a:fld id="{00000000-1234-1234-1234-123412341234}" type="slidenum">
-              <a:rPr lang="en"/>
-              <a:t>‹#›</a:t>
-            </a:fld>
-            <a:endParaRPr/>
-          </a:p>
-        </p:txBody>
-      </p:sp>
-    </p:spTree>
-  </p:cSld>
-  <p:clrMapOvr>
-    <a:masterClrMapping/>
-  </p:clrMapOvr>
-</p:sld>
-</file>
-
-<file path=ppt/slides/slide6.xml><?xml version="1.0" encoding="utf-8"?>
-<p:sld xmlns:a="http://schemas.openxmlformats.org/drawingml/2006/main" xmlns:r="http://schemas.openxmlformats.org/officeDocument/2006/relationships" xmlns:mc="http://schemas.openxmlformats.org/markup-compatibility/2006" xmlns:mv="urn:schemas-microsoft-com:mac:vml" xmlns:p="http://schemas.openxmlformats.org/presentationml/2006/main" xmlns:c="http://schemas.openxmlformats.org/drawingml/2006/chart" xmlns:dgm="http://schemas.openxmlformats.org/drawingml/2006/diagram" xmlns:o="urn:schemas-microsoft-com:office:office" xmlns:v="urn:schemas-microsoft-com:vml" xmlns:pvml="urn:schemas-microsoft-com:office:powerpoint" xmlns:com="http://schemas.openxmlformats.org/drawingml/2006/compatibility" xmlns:p14="http://schemas.microsoft.com/office/powerpoint/2010/main" xmlns:p15="http://schemas.microsoft.com/office/powerpoint/2012/main" xmlns:ahyp="http://schemas.microsoft.com/office/drawing/2018/hyperlinkcolor">
-  <p:cSld>
-    <p:spTree>
-      <p:nvGrpSpPr>
-        <p:cNvPr id="93" name="Shape 93"/>
-        <p:cNvGrpSpPr/>
-        <p:nvPr/>
-      </p:nvGrpSpPr>
-      <p:grpSpPr>
-        <a:xfrm>
-          <a:off x="0" y="0"/>
-          <a:ext cx="0" cy="0"/>
-          <a:chOff x="0" y="0"/>
-          <a:chExt cx="0" cy="0"/>
-        </a:xfrm>
-      </p:grpSpPr>
-      <p:sp>
-        <p:nvSpPr>
-          <p:cNvPr id="94" name="Google Shape;94;p18"/>
-          <p:cNvSpPr txBox="1"/>
-          <p:nvPr>
-            <p:ph type="title"/>
-          </p:nvPr>
-        </p:nvSpPr>
-        <p:spPr>
-          <a:xfrm>
-            <a:off x="311700" y="445025"/>
-            <a:ext cx="8520600" cy="572700"/>
-          </a:xfrm>
-          <a:prstGeom prst="rect">
-            <a:avLst/>
-          </a:prstGeom>
-        </p:spPr>
-        <p:txBody>
-          <a:bodyPr anchorCtr="0" anchor="t" bIns="91425" lIns="91425" spcFirstLastPara="1" rIns="91425" wrap="square" tIns="91425">
-            <a:normAutofit fontScale="90000"/>
-          </a:bodyPr>
-          <a:lstStyle/>
-          <a:p>
-            <a:pPr indent="0" lvl="0" marL="0" rtl="0" algn="l">
-              <a:spcBef>
-                <a:spcPts val="0"/>
-              </a:spcBef>
-              <a:spcAft>
-                <a:spcPts val="0"/>
-              </a:spcAft>
-              <a:buNone/>
-            </a:pPr>
-            <a:r>
-              <a:rPr lang="en"/>
-              <a:t>Runtime Comparisons (Windows 11)</a:t>
-            </a:r>
-            <a:endParaRPr/>
-          </a:p>
-        </p:txBody>
-      </p:sp>
-      <p:sp>
-        <p:nvSpPr>
-          <p:cNvPr id="95" name="Google Shape;95;p18"/>
-          <p:cNvSpPr txBox="1"/>
-          <p:nvPr>
-            <p:ph idx="1" type="body"/>
-          </p:nvPr>
-        </p:nvSpPr>
-        <p:spPr>
-          <a:xfrm>
-            <a:off x="311700" y="1152475"/>
-            <a:ext cx="4260300" cy="3416400"/>
-          </a:xfrm>
-          <a:prstGeom prst="rect">
-            <a:avLst/>
-          </a:prstGeom>
-        </p:spPr>
-        <p:txBody>
-          <a:bodyPr anchorCtr="0" anchor="t" bIns="91425" lIns="91425" spcFirstLastPara="1" rIns="91425" wrap="square" tIns="91425">
-            <a:normAutofit/>
-          </a:bodyPr>
-          <a:lstStyle/>
-          <a:p>
-            <a:pPr indent="0" lvl="0" marL="0" rtl="0" algn="l">
-              <a:spcBef>
-                <a:spcPts val="0"/>
-              </a:spcBef>
-              <a:spcAft>
-                <a:spcPts val="0"/>
-              </a:spcAft>
-              <a:buNone/>
-            </a:pPr>
-            <a:r>
-              <a:rPr lang="en"/>
-              <a:t>Python</a:t>
-            </a:r>
-            <a:endParaRPr/>
+            <a:endParaRPr b="1" u="sng"/>
           </a:p>
           <a:p>
             <a:pPr indent="0" lvl="0" marL="0" rtl="0" algn="l">
@@ -7382,6 +8267,11 @@
               <a:spcAft>
                 <a:spcPts val="0"/>
               </a:spcAft>
+              <a:buClr>
+                <a:schemeClr val="dk1"/>
+              </a:buClr>
+              <a:buSzPts val="1100"/>
+              <a:buFont typeface="Arial"/>
               <a:buNone/>
             </a:pPr>
             <a:r>
@@ -7398,6 +8288,11 @@
               <a:spcAft>
                 <a:spcPts val="0"/>
               </a:spcAft>
+              <a:buClr>
+                <a:schemeClr val="dk1"/>
+              </a:buClr>
+              <a:buSzPts val="1100"/>
+              <a:buFont typeface="Arial"/>
               <a:buNone/>
             </a:pPr>
             <a:r>
@@ -7413,77 +8308,6 @@
               <a:spcAft>
                 <a:spcPts val="0"/>
               </a:spcAft>
-              <a:buNone/>
-            </a:pPr>
-            <a:r>
-              <a:rPr lang="en"/>
-              <a:t>SciPy Implementation:</a:t>
-            </a:r>
-            <a:endParaRPr/>
-          </a:p>
-          <a:p>
-            <a:pPr indent="0" lvl="0" marL="0" rtl="0" algn="l">
-              <a:spcBef>
-                <a:spcPts val="1200"/>
-              </a:spcBef>
-              <a:spcAft>
-                <a:spcPts val="1200"/>
-              </a:spcAft>
-              <a:buNone/>
-            </a:pPr>
-            <a:r>
-              <a:t/>
-            </a:r>
-            <a:endParaRPr/>
-          </a:p>
-        </p:txBody>
-      </p:sp>
-      <p:sp>
-        <p:nvSpPr>
-          <p:cNvPr id="96" name="Google Shape;96;p18"/>
-          <p:cNvSpPr txBox="1"/>
-          <p:nvPr>
-            <p:ph idx="1" type="body"/>
-          </p:nvPr>
-        </p:nvSpPr>
-        <p:spPr>
-          <a:xfrm>
-            <a:off x="4730650" y="1152475"/>
-            <a:ext cx="4260300" cy="3416400"/>
-          </a:xfrm>
-          <a:prstGeom prst="rect">
-            <a:avLst/>
-          </a:prstGeom>
-        </p:spPr>
-        <p:txBody>
-          <a:bodyPr anchorCtr="0" anchor="t" bIns="91425" lIns="91425" spcFirstLastPara="1" rIns="91425" wrap="square" tIns="91425">
-            <a:normAutofit/>
-          </a:bodyPr>
-          <a:lstStyle/>
-          <a:p>
-            <a:pPr indent="0" lvl="0" marL="0" rtl="0" algn="l">
-              <a:spcBef>
-                <a:spcPts val="0"/>
-              </a:spcBef>
-              <a:spcAft>
-                <a:spcPts val="0"/>
-              </a:spcAft>
-              <a:buNone/>
-            </a:pPr>
-            <a:r>
-              <a:rPr lang="en"/>
-              <a:t>Scheme</a:t>
-            </a:r>
-            <a:endParaRPr/>
-          </a:p>
-          <a:p>
-            <a:pPr indent="0" lvl="0" marL="0" rtl="0" algn="l">
-              <a:spcBef>
-                <a:spcPts val="1200"/>
-              </a:spcBef>
-              <a:spcAft>
-                <a:spcPts val="0"/>
-              </a:spcAft>
               <a:buClr>
                 <a:schemeClr val="dk1"/>
               </a:buClr>
@@ -7493,48 +8317,11 @@
             </a:pPr>
             <a:r>
               <a:rPr lang="en"/>
-              <a:t>Our Implementation:</a:t>
+              <a:t>Flomat </a:t>
             </a:r>
-            <a:endParaRPr/>
-          </a:p>
-          <a:p>
-            <a:pPr indent="0" lvl="0" marL="0" rtl="0" algn="l">
-              <a:spcBef>
-                <a:spcPts val="1200"/>
-              </a:spcBef>
-              <a:spcAft>
-                <a:spcPts val="0"/>
-              </a:spcAft>
-              <a:buClr>
-                <a:schemeClr val="dk1"/>
-              </a:buClr>
-              <a:buSzPts val="1100"/>
-              <a:buFont typeface="Arial"/>
-              <a:buNone/>
-            </a:pPr>
-            <a:r>
-              <a:t/>
-            </a:r>
-            <a:endParaRPr/>
-          </a:p>
-          <a:p>
-            <a:pPr indent="0" lvl="0" marL="0" rtl="0" algn="l">
-              <a:spcBef>
-                <a:spcPts val="1200"/>
-              </a:spcBef>
-              <a:spcAft>
-                <a:spcPts val="0"/>
-              </a:spcAft>
-              <a:buClr>
-                <a:schemeClr val="dk1"/>
-              </a:buClr>
-              <a:buSzPts val="1100"/>
-              <a:buFont typeface="Arial"/>
-              <a:buNone/>
-            </a:pPr>
             <a:r>
               <a:rPr lang="en"/>
-              <a:t>SciPy Implementation:</a:t>
+              <a:t>Implementation:</a:t>
             </a:r>
             <a:endParaRPr/>
           </a:p>
@@ -7557,7 +8344,7 @@
       </p:sp>
       <p:pic>
         <p:nvPicPr>
-          <p:cNvPr id="97" name="Google Shape;97;p18"/>
+          <p:cNvPr id="105" name="Google Shape;105;p18"/>
           <p:cNvPicPr preferRelativeResize="0"/>
           <p:nvPr/>
         </p:nvPicPr>
@@ -7585,7 +8372,7 @@
       </p:pic>
       <p:pic>
         <p:nvPicPr>
-          <p:cNvPr id="98" name="Google Shape;98;p18"/>
+          <p:cNvPr id="106" name="Google Shape;106;p18"/>
           <p:cNvPicPr preferRelativeResize="0"/>
           <p:nvPr/>
         </p:nvPicPr>
@@ -7613,7 +8400,7 @@
       </p:pic>
       <p:pic>
         <p:nvPicPr>
-          <p:cNvPr id="99" name="Google Shape;99;p18"/>
+          <p:cNvPr id="107" name="Google Shape;107;p18"/>
           <p:cNvPicPr preferRelativeResize="0"/>
           <p:nvPr/>
         </p:nvPicPr>
@@ -7641,7 +8428,7 @@
       </p:pic>
       <p:pic>
         <p:nvPicPr>
-          <p:cNvPr id="100" name="Google Shape;100;p18"/>
+          <p:cNvPr id="108" name="Google Shape;108;p18"/>
           <p:cNvPicPr preferRelativeResize="0"/>
           <p:nvPr/>
         </p:nvPicPr>
@@ -7669,7 +8456,7 @@
       </p:pic>
       <p:sp>
         <p:nvSpPr>
-          <p:cNvPr id="101" name="Google Shape;101;p18"/>
+          <p:cNvPr id="109" name="Google Shape;109;p18"/>
           <p:cNvSpPr txBox="1"/>
           <p:nvPr>
             <p:ph idx="12" type="sldNum"/>
@@ -7700,10 +8487,26 @@
               <a:buNone/>
             </a:pPr>
             <a:fld id="{00000000-1234-1234-1234-123412341234}" type="slidenum">
-              <a:rPr lang="en"/>
+              <a:rPr lang="en">
+                <a:solidFill>
+                  <a:schemeClr val="dk1"/>
+                </a:solidFill>
+                <a:latin typeface="Proxima Nova"/>
+                <a:ea typeface="Proxima Nova"/>
+                <a:cs typeface="Proxima Nova"/>
+                <a:sym typeface="Proxima Nova"/>
+              </a:rPr>
               <a:t>‹#›</a:t>
             </a:fld>
-            <a:endParaRPr/>
+            <a:endParaRPr>
+              <a:solidFill>
+                <a:schemeClr val="dk1"/>
+              </a:solidFill>
+              <a:latin typeface="Proxima Nova"/>
+              <a:ea typeface="Proxima Nova"/>
+              <a:cs typeface="Proxima Nova"/>
+              <a:sym typeface="Proxima Nova"/>
+            </a:endParaRPr>
           </a:p>
         </p:txBody>
       </p:sp>
@@ -7716,285 +8519,6 @@
 </file>
 
 <file path=ppt/theme/theme1.xml><?xml version="1.0" encoding="utf-8"?>
-<a:theme xmlns:a="http://schemas.openxmlformats.org/drawingml/2006/main" xmlns:r="http://schemas.openxmlformats.org/officeDocument/2006/relationships" name="Simple Light">
-  <a:themeElements>
-    <a:clrScheme name="Simple Light">
-      <a:dk1>
-        <a:srgbClr val="000000"/>
-      </a:dk1>
-      <a:lt1>
-        <a:srgbClr val="FFFFFF"/>
-      </a:lt1>
-      <a:dk2>
-        <a:srgbClr val="595959"/>
-      </a:dk2>
-      <a:lt2>
-        <a:srgbClr val="EEEEEE"/>
-      </a:lt2>
-      <a:accent1>
-        <a:srgbClr val="4285F4"/>
-      </a:accent1>
-      <a:accent2>
-        <a:srgbClr val="212121"/>
-      </a:accent2>
-      <a:accent3>
-        <a:srgbClr val="78909C"/>
-      </a:accent3>
-      <a:accent4>
-        <a:srgbClr val="FFAB40"/>
-      </a:accent4>
-      <a:accent5>
-        <a:srgbClr val="0097A7"/>
-      </a:accent5>
-      <a:accent6>
-        <a:srgbClr val="EEFF41"/>
-      </a:accent6>
-      <a:hlink>
-        <a:srgbClr val="0097A7"/>
-      </a:hlink>
-      <a:folHlink>
-        <a:srgbClr val="0097A7"/>
-      </a:folHlink>
-    </a:clrScheme>
-    <a:fontScheme name="Office">
-      <a:majorFont>
-        <a:latin typeface="Arial"/>
-        <a:ea typeface=""/>
-        <a:cs typeface=""/>
-        <a:font script="Jpan" typeface="ＭＳ Ｐゴシック"/>
-        <a:font script="Hang" typeface="맑은 고딕"/>
-        <a:font script="Hans" typeface="宋体"/>
-        <a:font script="Hant" typeface="新細明體"/>
-        <a:font script="Arab" typeface="Times New Roman"/>
-        <a:font script="Hebr" typeface="Times New Roman"/>
-        <a:font script="Thai" typeface="Angsana New"/>
-        <a:font script="Ethi" typeface="Nyala"/>
-        <a:font script="Beng" typeface="Vrinda"/>
-        <a:font script="Gujr" typeface="Shruti"/>
-        <a:font script="Khmr" typeface="MoolBoran"/>
-        <a:font script="Knda" typeface="Tunga"/>
-        <a:font script="Guru" typeface="Raavi"/>
-        <a:font script="Cans" typeface="Euphemia"/>
-        <a:font script="Cher" typeface="Plantagenet Cherokee"/>
-        <a:font script="Yiii" typeface="Microsoft Yi Baiti"/>
-        <a:font script="Tibt" typeface="Microsoft Himalaya"/>
-        <a:font script="Thaa" typeface="MV Boli"/>
-        <a:font script="Deva" typeface="Mangal"/>
-        <a:font script="Telu" typeface="Gautami"/>
-        <a:font script="Taml" typeface="Latha"/>
-        <a:font script="Syrc" typeface="Estrangelo Edessa"/>
-        <a:font script="Orya" typeface="Kalinga"/>
-        <a:font script="Mlym" typeface="Kartika"/>
-        <a:font script="Laoo" typeface="DokChampa"/>
-        <a:font script="Sinh" typeface="Iskoola Pota"/>
-        <a:font script="Mong" typeface="Mongolian Baiti"/>
-        <a:font script="Viet" typeface="Times New Roman"/>
-        <a:font script="Uigh" typeface="Microsoft Uighur"/>
-        <a:font script="Geor" typeface="Sylfaen"/>
-      </a:majorFont>
-      <a:minorFont>
-        <a:latin typeface="Arial"/>
-        <a:ea typeface=""/>
-        <a:cs typeface=""/>
-        <a:font script="Jpan" typeface="ＭＳ Ｐゴシック"/>
-        <a:font script="Hang" typeface="맑은 고딕"/>
-        <a:font script="Hans" typeface="宋体"/>
-        <a:font script="Hant" typeface="新細明體"/>
-        <a:font script="Arab" typeface="Arial"/>
-        <a:font script="Hebr" typeface="Arial"/>
-        <a:font script="Thai" typeface="Cordia New"/>
-        <a:font script="Ethi" typeface="Nyala"/>
-        <a:font script="Beng" typeface="Vrinda"/>
-        <a:font script="Gujr" typeface="Shruti"/>
-        <a:font script="Khmr" typeface="DaunPenh"/>
-        <a:font script="Knda" typeface="Tunga"/>
-        <a:font script="Guru" typeface="Raavi"/>
-        <a:font script="Cans" typeface="Euphemia"/>
-        <a:font script="Cher" typeface="Plantagenet Cherokee"/>
-        <a:font script="Yiii" typeface="Microsoft Yi Baiti"/>
-        <a:font script="Tibt" typeface="Microsoft Himalaya"/>
-        <a:font script="Thaa" typeface="MV Boli"/>
-        <a:font script="Deva" typeface="Mangal"/>
-        <a:font script="Telu" typeface="Gautami"/>
-        <a:font script="Taml" typeface="Latha"/>
-        <a:font script="Syrc" typeface="Estrangelo Edessa"/>
-        <a:font script="Orya" typeface="Kalinga"/>
-        <a:font script="Mlym" typeface="Kartika"/>
-        <a:font script="Laoo" typeface="DokChampa"/>
-        <a:font script="Sinh" typeface="Iskoola Pota"/>
-        <a:font script="Mong" typeface="Mongolian Baiti"/>
-        <a:font script="Viet" typeface="Arial"/>
-        <a:font script="Uigh" typeface="Microsoft Uighur"/>
-        <a:font script="Geor" typeface="Sylfaen"/>
-      </a:minorFont>
-    </a:fontScheme>
-    <a:fmtScheme name="Office">
-      <a:fillStyleLst>
-        <a:solidFill>
-          <a:schemeClr val="phClr"/>
-        </a:solidFill>
-        <a:gradFill rotWithShape="1">
-          <a:gsLst>
-            <a:gs pos="0">
-              <a:schemeClr val="phClr">
-                <a:tint val="50000"/>
-                <a:satMod val="300000"/>
-              </a:schemeClr>
-            </a:gs>
-            <a:gs pos="35000">
-              <a:schemeClr val="phClr">
-                <a:tint val="37000"/>
-                <a:satMod val="300000"/>
-              </a:schemeClr>
-            </a:gs>
-            <a:gs pos="100000">
-              <a:schemeClr val="phClr">
-                <a:tint val="15000"/>
-                <a:satMod val="350000"/>
-              </a:schemeClr>
-            </a:gs>
-          </a:gsLst>
-          <a:lin ang="16200000" scaled="1"/>
-        </a:gradFill>
-        <a:gradFill rotWithShape="1">
-          <a:gsLst>
-            <a:gs pos="0">
-              <a:schemeClr val="phClr">
-                <a:tint val="100000"/>
-                <a:shade val="100000"/>
-                <a:satMod val="130000"/>
-              </a:schemeClr>
-            </a:gs>
-            <a:gs pos="100000">
-              <a:schemeClr val="phClr">
-                <a:tint val="50000"/>
-                <a:shade val="100000"/>
-                <a:satMod val="350000"/>
-              </a:schemeClr>
-            </a:gs>
-          </a:gsLst>
-          <a:lin ang="16200000" scaled="0"/>
-        </a:gradFill>
-      </a:fillStyleLst>
-      <a:lnStyleLst>
-        <a:ln w="9525" cap="flat" cmpd="sng" algn="ctr">
-          <a:solidFill>
-            <a:schemeClr val="phClr">
-              <a:shade val="95000"/>
-              <a:satMod val="105000"/>
-            </a:schemeClr>
-          </a:solidFill>
-          <a:prstDash val="solid"/>
-        </a:ln>
-        <a:ln w="25400" cap="flat" cmpd="sng" algn="ctr">
-          <a:solidFill>
-            <a:schemeClr val="phClr"/>
-          </a:solidFill>
-          <a:prstDash val="solid"/>
-        </a:ln>
-        <a:ln w="38100" cap="flat" cmpd="sng" algn="ctr">
-          <a:solidFill>
-            <a:schemeClr val="phClr"/>
-          </a:solidFill>
-          <a:prstDash val="solid"/>
-        </a:ln>
-      </a:lnStyleLst>
-      <a:effectStyleLst>
-        <a:effectStyle>
-          <a:effectLst>
-            <a:outerShdw blurRad="40000" dist="20000" dir="5400000" rotWithShape="0">
-              <a:srgbClr val="000000">
-                <a:alpha val="38000"/>
-              </a:srgbClr>
-            </a:outerShdw>
-          </a:effectLst>
-        </a:effectStyle>
-        <a:effectStyle>
-          <a:effectLst>
-            <a:outerShdw blurRad="40000" dist="23000" dir="5400000" rotWithShape="0">
-              <a:srgbClr val="000000">
-                <a:alpha val="35000"/>
-              </a:srgbClr>
-            </a:outerShdw>
-          </a:effectLst>
-        </a:effectStyle>
-        <a:effectStyle>
-          <a:effectLst>
-            <a:outerShdw blurRad="40000" dist="23000" dir="5400000" rotWithShape="0">
-              <a:srgbClr val="000000">
-                <a:alpha val="35000"/>
-              </a:srgbClr>
-            </a:outerShdw>
-          </a:effectLst>
-          <a:scene3d>
-            <a:camera prst="orthographicFront">
-              <a:rot lat="0" lon="0" rev="0"/>
-            </a:camera>
-            <a:lightRig rig="threePt" dir="t">
-              <a:rot lat="0" lon="0" rev="1200000"/>
-            </a:lightRig>
-          </a:scene3d>
-          <a:sp3d>
-            <a:bevelT w="63500" h="25400"/>
-          </a:sp3d>
-        </a:effectStyle>
-      </a:effectStyleLst>
-      <a:bgFillStyleLst>
-        <a:solidFill>
-          <a:schemeClr val="phClr"/>
-        </a:solidFill>
-        <a:gradFill rotWithShape="1">
-          <a:gsLst>
-            <a:gs pos="0">
-              <a:schemeClr val="phClr">
-                <a:tint val="40000"/>
-                <a:satMod val="350000"/>
-              </a:schemeClr>
-            </a:gs>
-            <a:gs pos="40000">
-              <a:schemeClr val="phClr">
-                <a:tint val="45000"/>
-                <a:shade val="99000"/>
-                <a:satMod val="350000"/>
-              </a:schemeClr>
-            </a:gs>
-            <a:gs pos="100000">
-              <a:schemeClr val="phClr">
-                <a:shade val="20000"/>
-                <a:satMod val="255000"/>
-              </a:schemeClr>
-            </a:gs>
-          </a:gsLst>
-          <a:path path="circle">
-            <a:fillToRect l="50000" t="-80000" r="50000" b="180000"/>
-          </a:path>
-        </a:gradFill>
-        <a:gradFill rotWithShape="1">
-          <a:gsLst>
-            <a:gs pos="0">
-              <a:schemeClr val="phClr">
-                <a:tint val="80000"/>
-                <a:satMod val="300000"/>
-              </a:schemeClr>
-            </a:gs>
-            <a:gs pos="100000">
-              <a:schemeClr val="phClr">
-                <a:shade val="30000"/>
-                <a:satMod val="200000"/>
-              </a:schemeClr>
-            </a:gs>
-          </a:gsLst>
-          <a:path path="circle">
-            <a:fillToRect l="50000" t="50000" r="50000" b="50000"/>
-          </a:path>
-        </a:gradFill>
-      </a:bgFillStyleLst>
-    </a:fmtScheme>
-  </a:themeElements>
-</a:theme>
-</file>
-
-<file path=ppt/theme/theme2.xml><?xml version="1.0" encoding="utf-8"?>
 <a:theme xmlns:a="http://schemas.openxmlformats.org/drawingml/2006/main" xmlns:r="http://schemas.openxmlformats.org/officeDocument/2006/relationships">
   <a:themeElements>
     <a:clrScheme name="Default">
@@ -8271,4 +8795,283 @@
     </a:fmtScheme>
   </a:themeElements>
 </a:theme>
+</file>
+
+<file path=ppt/theme/theme2.xml><?xml version="1.0" encoding="utf-8"?>
+<a:theme xmlns:a="http://schemas.openxmlformats.org/drawingml/2006/main" xmlns:r="http://schemas.openxmlformats.org/officeDocument/2006/relationships" name="Spearmint">
+  <a:themeElements>
+    <a:clrScheme name="Spearmint">
+      <a:dk1>
+        <a:srgbClr val="202729"/>
+      </a:dk1>
+      <a:lt1>
+        <a:srgbClr val="FFFFFF"/>
+      </a:lt1>
+      <a:dk2>
+        <a:srgbClr val="4BA173"/>
+      </a:dk2>
+      <a:lt2>
+        <a:srgbClr val="63D297"/>
+      </a:lt2>
+      <a:accent1>
+        <a:srgbClr val="353744"/>
+      </a:accent1>
+      <a:accent2>
+        <a:srgbClr val="424242"/>
+      </a:accent2>
+      <a:accent3>
+        <a:srgbClr val="616161"/>
+      </a:accent3>
+      <a:accent4>
+        <a:srgbClr val="999999"/>
+      </a:accent4>
+      <a:accent5>
+        <a:srgbClr val="FF5252"/>
+      </a:accent5>
+      <a:accent6>
+        <a:srgbClr val="FFF176"/>
+      </a:accent6>
+      <a:hlink>
+        <a:srgbClr val="FF5252"/>
+      </a:hlink>
+      <a:folHlink>
+        <a:srgbClr val="FF5252"/>
+      </a:folHlink>
+    </a:clrScheme>
+    <a:fontScheme name="Office">
+      <a:majorFont>
+        <a:latin typeface="Arial"/>
+        <a:ea typeface=""/>
+        <a:cs typeface=""/>
+        <a:font script="Jpan" typeface="ＭＳ Ｐゴシック"/>
+        <a:font script="Hang" typeface="맑은 고딕"/>
+        <a:font script="Hans" typeface="宋体"/>
+        <a:font script="Hant" typeface="新細明體"/>
+        <a:font script="Arab" typeface="Times New Roman"/>
+        <a:font script="Hebr" typeface="Times New Roman"/>
+        <a:font script="Thai" typeface="Angsana New"/>
+        <a:font script="Ethi" typeface="Nyala"/>
+        <a:font script="Beng" typeface="Vrinda"/>
+        <a:font script="Gujr" typeface="Shruti"/>
+        <a:font script="Khmr" typeface="MoolBoran"/>
+        <a:font script="Knda" typeface="Tunga"/>
+        <a:font script="Guru" typeface="Raavi"/>
+        <a:font script="Cans" typeface="Euphemia"/>
+        <a:font script="Cher" typeface="Plantagenet Cherokee"/>
+        <a:font script="Yiii" typeface="Microsoft Yi Baiti"/>
+        <a:font script="Tibt" typeface="Microsoft Himalaya"/>
+        <a:font script="Thaa" typeface="MV Boli"/>
+        <a:font script="Deva" typeface="Mangal"/>
+        <a:font script="Telu" typeface="Gautami"/>
+        <a:font script="Taml" typeface="Latha"/>
+        <a:font script="Syrc" typeface="Estrangelo Edessa"/>
+        <a:font script="Orya" typeface="Kalinga"/>
+        <a:font script="Mlym" typeface="Kartika"/>
+        <a:font script="Laoo" typeface="DokChampa"/>
+        <a:font script="Sinh" typeface="Iskoola Pota"/>
+        <a:font script="Mong" typeface="Mongolian Baiti"/>
+        <a:font script="Viet" typeface="Times New Roman"/>
+        <a:font script="Uigh" typeface="Microsoft Uighur"/>
+        <a:font script="Geor" typeface="Sylfaen"/>
+      </a:majorFont>
+      <a:minorFont>
+        <a:latin typeface="Arial"/>
+        <a:ea typeface=""/>
+        <a:cs typeface=""/>
+        <a:font script="Jpan" typeface="ＭＳ Ｐゴシック"/>
+        <a:font script="Hang" typeface="맑은 고딕"/>
+        <a:font script="Hans" typeface="宋体"/>
+        <a:font script="Hant" typeface="新細明體"/>
+        <a:font script="Arab" typeface="Arial"/>
+        <a:font script="Hebr" typeface="Arial"/>
+        <a:font script="Thai" typeface="Cordia New"/>
+        <a:font script="Ethi" typeface="Nyala"/>
+        <a:font script="Beng" typeface="Vrinda"/>
+        <a:font script="Gujr" typeface="Shruti"/>
+        <a:font script="Khmr" typeface="DaunPenh"/>
+        <a:font script="Knda" typeface="Tunga"/>
+        <a:font script="Guru" typeface="Raavi"/>
+        <a:font script="Cans" typeface="Euphemia"/>
+        <a:font script="Cher" typeface="Plantagenet Cherokee"/>
+        <a:font script="Yiii" typeface="Microsoft Yi Baiti"/>
+        <a:font script="Tibt" typeface="Microsoft Himalaya"/>
+        <a:font script="Thaa" typeface="MV Boli"/>
+        <a:font script="Deva" typeface="Mangal"/>
+        <a:font script="Telu" typeface="Gautami"/>
+        <a:font script="Taml" typeface="Latha"/>
+        <a:font script="Syrc" typeface="Estrangelo Edessa"/>
+        <a:font script="Orya" typeface="Kalinga"/>
+        <a:font script="Mlym" typeface="Kartika"/>
+        <a:font script="Laoo" typeface="DokChampa"/>
+        <a:font script="Sinh" typeface="Iskoola Pota"/>
+        <a:font script="Mong" typeface="Mongolian Baiti"/>
+        <a:font script="Viet" typeface="Arial"/>
+        <a:font script="Uigh" typeface="Microsoft Uighur"/>
+        <a:font script="Geor" typeface="Sylfaen"/>
+      </a:minorFont>
+    </a:fontScheme>
+    <a:fmtScheme name="Office">
+      <a:fillStyleLst>
+        <a:solidFill>
+          <a:schemeClr val="phClr"/>
+        </a:solidFill>
+        <a:gradFill rotWithShape="1">
+          <a:gsLst>
+            <a:gs pos="0">
+              <a:schemeClr val="phClr">
+                <a:tint val="50000"/>
+                <a:satMod val="300000"/>
+              </a:schemeClr>
+            </a:gs>
+            <a:gs pos="35000">
+              <a:schemeClr val="phClr">
+                <a:tint val="37000"/>
+                <a:satMod val="300000"/>
+              </a:schemeClr>
+            </a:gs>
+            <a:gs pos="100000">
+              <a:schemeClr val="phClr">
+                <a:tint val="15000"/>
+                <a:satMod val="350000"/>
+              </a:schemeClr>
+            </a:gs>
+          </a:gsLst>
+          <a:lin ang="16200000" scaled="1"/>
+        </a:gradFill>
+        <a:gradFill rotWithShape="1">
+          <a:gsLst>
+            <a:gs pos="0">
+              <a:schemeClr val="phClr">
+                <a:tint val="100000"/>
+                <a:shade val="100000"/>
+                <a:satMod val="130000"/>
+              </a:schemeClr>
+            </a:gs>
+            <a:gs pos="100000">
+              <a:schemeClr val="phClr">
+                <a:tint val="50000"/>
+                <a:shade val="100000"/>
+                <a:satMod val="350000"/>
+              </a:schemeClr>
+            </a:gs>
+          </a:gsLst>
+          <a:lin ang="16200000" scaled="0"/>
+        </a:gradFill>
+      </a:fillStyleLst>
+      <a:lnStyleLst>
+        <a:ln w="9525" cap="flat" cmpd="sng" algn="ctr">
+          <a:solidFill>
+            <a:schemeClr val="phClr">
+              <a:shade val="95000"/>
+              <a:satMod val="105000"/>
+            </a:schemeClr>
+          </a:solidFill>
+          <a:prstDash val="solid"/>
+        </a:ln>
+        <a:ln w="25400" cap="flat" cmpd="sng" algn="ctr">
+          <a:solidFill>
+            <a:schemeClr val="phClr"/>
+          </a:solidFill>
+          <a:prstDash val="solid"/>
+        </a:ln>
+        <a:ln w="38100" cap="flat" cmpd="sng" algn="ctr">
+          <a:solidFill>
+            <a:schemeClr val="phClr"/>
+          </a:solidFill>
+          <a:prstDash val="solid"/>
+        </a:ln>
+      </a:lnStyleLst>
+      <a:effectStyleLst>
+        <a:effectStyle>
+          <a:effectLst>
+            <a:outerShdw blurRad="40000" dist="20000" dir="5400000" rotWithShape="0">
+              <a:srgbClr val="000000">
+                <a:alpha val="38000"/>
+              </a:srgbClr>
+            </a:outerShdw>
+          </a:effectLst>
+        </a:effectStyle>
+        <a:effectStyle>
+          <a:effectLst>
+            <a:outerShdw blurRad="40000" dist="23000" dir="5400000" rotWithShape="0">
+              <a:srgbClr val="000000">
+                <a:alpha val="35000"/>
+              </a:srgbClr>
+            </a:outerShdw>
+          </a:effectLst>
+        </a:effectStyle>
+        <a:effectStyle>
+          <a:effectLst>
+            <a:outerShdw blurRad="40000" dist="23000" dir="5400000" rotWithShape="0">
+              <a:srgbClr val="000000">
+                <a:alpha val="35000"/>
+              </a:srgbClr>
+            </a:outerShdw>
+          </a:effectLst>
+          <a:scene3d>
+            <a:camera prst="orthographicFront">
+              <a:rot lat="0" lon="0" rev="0"/>
+            </a:camera>
+            <a:lightRig rig="threePt" dir="t">
+              <a:rot lat="0" lon="0" rev="1200000"/>
+            </a:lightRig>
+          </a:scene3d>
+          <a:sp3d>
+            <a:bevelT w="63500" h="25400"/>
+          </a:sp3d>
+        </a:effectStyle>
+      </a:effectStyleLst>
+      <a:bgFillStyleLst>
+        <a:solidFill>
+          <a:schemeClr val="phClr"/>
+        </a:solidFill>
+        <a:gradFill rotWithShape="1">
+          <a:gsLst>
+            <a:gs pos="0">
+              <a:schemeClr val="phClr">
+                <a:tint val="40000"/>
+                <a:satMod val="350000"/>
+              </a:schemeClr>
+            </a:gs>
+            <a:gs pos="40000">
+              <a:schemeClr val="phClr">
+                <a:tint val="45000"/>
+                <a:shade val="99000"/>
+                <a:satMod val="350000"/>
+              </a:schemeClr>
+            </a:gs>
+            <a:gs pos="100000">
+              <a:schemeClr val="phClr">
+                <a:shade val="20000"/>
+                <a:satMod val="255000"/>
+              </a:schemeClr>
+            </a:gs>
+          </a:gsLst>
+          <a:path path="circle">
+            <a:fillToRect l="50000" t="-80000" r="50000" b="180000"/>
+          </a:path>
+        </a:gradFill>
+        <a:gradFill rotWithShape="1">
+          <a:gsLst>
+            <a:gs pos="0">
+              <a:schemeClr val="phClr">
+                <a:tint val="80000"/>
+                <a:satMod val="300000"/>
+              </a:schemeClr>
+            </a:gs>
+            <a:gs pos="100000">
+              <a:schemeClr val="phClr">
+                <a:shade val="30000"/>
+                <a:satMod val="200000"/>
+              </a:schemeClr>
+            </a:gs>
+          </a:gsLst>
+          <a:path path="circle">
+            <a:fillToRect l="50000" t="50000" r="50000" b="50000"/>
+          </a:path>
+        </a:gradFill>
+      </a:bgFillStyleLst>
+    </a:fmtScheme>
+  </a:themeElements>
+</a:theme>
 </file>
--- a/Project_5/Matrix Exponent.pptx
+++ b/Project_5/Matrix Exponent.pptx
@@ -6882,7 +6882,7 @@
             </a:pPr>
             <a:r>
               <a:rPr lang="en"/>
-              <a:t>1. Scale down the matrix for calculation to avoid overflow (python)</a:t>
+              <a:t>1. Scale down the matrix for calculation to avoid overflow.</a:t>
             </a:r>
             <a:endParaRPr/>
           </a:p>
@@ -6898,7 +6898,7 @@
             </a:pPr>
             <a:r>
               <a:rPr lang="en"/>
-              <a:t>2. Find b_k which is an estimation to the dominant eigenvector with approximation of epsilon.</a:t>
+              <a:t>2. Find bk which is an estimation to the dominant eigenvector with approximation of epsilon.</a:t>
             </a:r>
             <a:endParaRPr/>
           </a:p>
@@ -6914,7 +6914,7 @@
             </a:pPr>
             <a:r>
               <a:rPr lang="en"/>
-              <a:t>3. Calculate mu which is an estimation to the absolute value of the dominant eigenvalue, using b_k.</a:t>
+              <a:t>3. Calculate mu which is an estimation to the absolute value of the dominant eigenvalue, using bk.</a:t>
             </a:r>
             <a:endParaRPr/>
           </a:p>
@@ -6930,7 +6930,7 @@
             </a:pPr>
             <a:r>
               <a:rPr lang="en"/>
-              <a:t>4. Find M, that fits the condition of the equation:</a:t>
+              <a:t>4. Find m, that fits the condition of the equation:</a:t>
             </a:r>
             <a:endParaRPr/>
           </a:p>
@@ -6946,7 +6946,7 @@
             </a:pPr>
             <a:r>
               <a:rPr lang="en"/>
-              <a:t>5. Calculate the approximation of the matrix exponential using sum of Taylor series from 0 to m (iv)</a:t>
+              <a:t>5. Calculate the approximation of the matrix exponential using sum of Taylor series from 0 to m.</a:t>
             </a:r>
             <a:endParaRPr/>
           </a:p>
@@ -6962,7 +6962,7 @@
             </a:pPr>
             <a:r>
               <a:rPr lang="en"/>
-              <a:t>6. Scale up using repeated squaring back to the original scale (python)</a:t>
+              <a:t>6. Scale up using repeated squaring back to the original scale.</a:t>
             </a:r>
             <a:endParaRPr/>
           </a:p>
@@ -7386,7 +7386,11 @@
             </a:pPr>
             <a:r>
               <a:rPr lang="en"/>
-              <a:t>Separation of the logic to “public” functions and “private” recursive functions that handle the calculations.</a:t>
+              <a:t>Uses a compiler</a:t>
+            </a:r>
+            <a:r>
+              <a:rPr lang="en"/>
+              <a:t>.</a:t>
             </a:r>
             <a:endParaRPr/>
           </a:p>
